--- a/Materials/Не готово еще/Презентация Курсача.pptx
+++ b/Materials/Не готово еще/Презентация Курсача.pptx
@@ -6,11 +6,15 @@
   </p:sldMasterIdLst>
   <p:sldIdLst>
     <p:sldId id="256" r:id="rId2"/>
-    <p:sldId id="257" r:id="rId3"/>
-    <p:sldId id="258" r:id="rId4"/>
-    <p:sldId id="259" r:id="rId5"/>
-    <p:sldId id="260" r:id="rId6"/>
-    <p:sldId id="261" r:id="rId7"/>
+    <p:sldId id="262" r:id="rId3"/>
+    <p:sldId id="257" r:id="rId4"/>
+    <p:sldId id="258" r:id="rId5"/>
+    <p:sldId id="259" r:id="rId6"/>
+    <p:sldId id="263" r:id="rId7"/>
+    <p:sldId id="265" r:id="rId8"/>
+    <p:sldId id="264" r:id="rId9"/>
+    <p:sldId id="260" r:id="rId10"/>
+    <p:sldId id="261" r:id="rId11"/>
   </p:sldIdLst>
   <p:sldSz cx="12192000" cy="6858000"/>
   <p:notesSz cx="6858000" cy="9144000"/>
@@ -244,7 +248,7 @@
             <a:fld id="{723A0364-9678-4EB8-9394-088FB36AD65B}" type="datetimeFigureOut">
               <a:rPr lang="ru-RU" smtClean="0"/>
               <a:pPr/>
-              <a:t>24.02.2026</a:t>
+              <a:t>27.02.2026</a:t>
             </a:fld>
             <a:endParaRPr lang="ru-RU" dirty="0"/>
           </a:p>
@@ -296,7 +300,7 @@
     </p:spTree>
     <p:extLst>
       <p:ext uri="{BB962C8B-B14F-4D97-AF65-F5344CB8AC3E}">
-        <p14:creationId xmlns:p14="http://schemas.microsoft.com/office/powerpoint/2010/main" xmlns="" val="2898154495"/>
+        <p14:creationId xmlns="" xmlns:p14="http://schemas.microsoft.com/office/powerpoint/2010/main" val="2898154495"/>
       </p:ext>
     </p:extLst>
   </p:cSld>
@@ -416,7 +420,7 @@
             <a:fld id="{723A0364-9678-4EB8-9394-088FB36AD65B}" type="datetimeFigureOut">
               <a:rPr lang="ru-RU" smtClean="0"/>
               <a:pPr/>
-              <a:t>24.02.2026</a:t>
+              <a:t>27.02.2026</a:t>
             </a:fld>
             <a:endParaRPr lang="ru-RU" dirty="0"/>
           </a:p>
@@ -468,7 +472,7 @@
     </p:spTree>
     <p:extLst>
       <p:ext uri="{BB962C8B-B14F-4D97-AF65-F5344CB8AC3E}">
-        <p14:creationId xmlns:p14="http://schemas.microsoft.com/office/powerpoint/2010/main" xmlns="" val="946360671"/>
+        <p14:creationId xmlns="" xmlns:p14="http://schemas.microsoft.com/office/powerpoint/2010/main" val="946360671"/>
       </p:ext>
     </p:extLst>
   </p:cSld>
@@ -598,7 +602,7 @@
             <a:fld id="{723A0364-9678-4EB8-9394-088FB36AD65B}" type="datetimeFigureOut">
               <a:rPr lang="ru-RU" smtClean="0"/>
               <a:pPr/>
-              <a:t>24.02.2026</a:t>
+              <a:t>27.02.2026</a:t>
             </a:fld>
             <a:endParaRPr lang="ru-RU" dirty="0"/>
           </a:p>
@@ -650,7 +654,7 @@
     </p:spTree>
     <p:extLst>
       <p:ext uri="{BB962C8B-B14F-4D97-AF65-F5344CB8AC3E}">
-        <p14:creationId xmlns:p14="http://schemas.microsoft.com/office/powerpoint/2010/main" xmlns="" val="1303129844"/>
+        <p14:creationId xmlns="" xmlns:p14="http://schemas.microsoft.com/office/powerpoint/2010/main" val="1303129844"/>
       </p:ext>
     </p:extLst>
   </p:cSld>
@@ -770,7 +774,7 @@
             <a:fld id="{723A0364-9678-4EB8-9394-088FB36AD65B}" type="datetimeFigureOut">
               <a:rPr lang="ru-RU" smtClean="0"/>
               <a:pPr/>
-              <a:t>24.02.2026</a:t>
+              <a:t>27.02.2026</a:t>
             </a:fld>
             <a:endParaRPr lang="ru-RU" dirty="0"/>
           </a:p>
@@ -822,7 +826,7 @@
     </p:spTree>
     <p:extLst>
       <p:ext uri="{BB962C8B-B14F-4D97-AF65-F5344CB8AC3E}">
-        <p14:creationId xmlns:p14="http://schemas.microsoft.com/office/powerpoint/2010/main" xmlns="" val="3670298378"/>
+        <p14:creationId xmlns="" xmlns:p14="http://schemas.microsoft.com/office/powerpoint/2010/main" val="3670298378"/>
       </p:ext>
     </p:extLst>
   </p:cSld>
@@ -1018,7 +1022,7 @@
             <a:fld id="{723A0364-9678-4EB8-9394-088FB36AD65B}" type="datetimeFigureOut">
               <a:rPr lang="ru-RU" smtClean="0"/>
               <a:pPr/>
-              <a:t>24.02.2026</a:t>
+              <a:t>27.02.2026</a:t>
             </a:fld>
             <a:endParaRPr lang="ru-RU" dirty="0"/>
           </a:p>
@@ -1070,7 +1074,7 @@
     </p:spTree>
     <p:extLst>
       <p:ext uri="{BB962C8B-B14F-4D97-AF65-F5344CB8AC3E}">
-        <p14:creationId xmlns:p14="http://schemas.microsoft.com/office/powerpoint/2010/main" xmlns="" val="3836466465"/>
+        <p14:creationId xmlns="" xmlns:p14="http://schemas.microsoft.com/office/powerpoint/2010/main" val="3836466465"/>
       </p:ext>
     </p:extLst>
   </p:cSld>
@@ -1252,7 +1256,7 @@
             <a:fld id="{723A0364-9678-4EB8-9394-088FB36AD65B}" type="datetimeFigureOut">
               <a:rPr lang="ru-RU" smtClean="0"/>
               <a:pPr/>
-              <a:t>24.02.2026</a:t>
+              <a:t>27.02.2026</a:t>
             </a:fld>
             <a:endParaRPr lang="ru-RU" dirty="0"/>
           </a:p>
@@ -1304,7 +1308,7 @@
     </p:spTree>
     <p:extLst>
       <p:ext uri="{BB962C8B-B14F-4D97-AF65-F5344CB8AC3E}">
-        <p14:creationId xmlns:p14="http://schemas.microsoft.com/office/powerpoint/2010/main" xmlns="" val="2525058581"/>
+        <p14:creationId xmlns="" xmlns:p14="http://schemas.microsoft.com/office/powerpoint/2010/main" val="2525058581"/>
       </p:ext>
     </p:extLst>
   </p:cSld>
@@ -1621,7 +1625,7 @@
             <a:fld id="{723A0364-9678-4EB8-9394-088FB36AD65B}" type="datetimeFigureOut">
               <a:rPr lang="ru-RU" smtClean="0"/>
               <a:pPr/>
-              <a:t>24.02.2026</a:t>
+              <a:t>27.02.2026</a:t>
             </a:fld>
             <a:endParaRPr lang="ru-RU" dirty="0"/>
           </a:p>
@@ -1673,7 +1677,7 @@
     </p:spTree>
     <p:extLst>
       <p:ext uri="{BB962C8B-B14F-4D97-AF65-F5344CB8AC3E}">
-        <p14:creationId xmlns:p14="http://schemas.microsoft.com/office/powerpoint/2010/main" xmlns="" val="3235689440"/>
+        <p14:creationId xmlns="" xmlns:p14="http://schemas.microsoft.com/office/powerpoint/2010/main" val="3235689440"/>
       </p:ext>
     </p:extLst>
   </p:cSld>
@@ -1741,7 +1745,7 @@
             <a:fld id="{723A0364-9678-4EB8-9394-088FB36AD65B}" type="datetimeFigureOut">
               <a:rPr lang="ru-RU" smtClean="0"/>
               <a:pPr/>
-              <a:t>24.02.2026</a:t>
+              <a:t>27.02.2026</a:t>
             </a:fld>
             <a:endParaRPr lang="ru-RU" dirty="0"/>
           </a:p>
@@ -1793,7 +1797,7 @@
     </p:spTree>
     <p:extLst>
       <p:ext uri="{BB962C8B-B14F-4D97-AF65-F5344CB8AC3E}">
-        <p14:creationId xmlns:p14="http://schemas.microsoft.com/office/powerpoint/2010/main" xmlns="" val="774631721"/>
+        <p14:creationId xmlns="" xmlns:p14="http://schemas.microsoft.com/office/powerpoint/2010/main" val="774631721"/>
       </p:ext>
     </p:extLst>
   </p:cSld>
@@ -1838,7 +1842,7 @@
             <a:fld id="{723A0364-9678-4EB8-9394-088FB36AD65B}" type="datetimeFigureOut">
               <a:rPr lang="ru-RU" smtClean="0"/>
               <a:pPr/>
-              <a:t>24.02.2026</a:t>
+              <a:t>27.02.2026</a:t>
             </a:fld>
             <a:endParaRPr lang="ru-RU" dirty="0"/>
           </a:p>
@@ -1890,7 +1894,7 @@
     </p:spTree>
     <p:extLst>
       <p:ext uri="{BB962C8B-B14F-4D97-AF65-F5344CB8AC3E}">
-        <p14:creationId xmlns:p14="http://schemas.microsoft.com/office/powerpoint/2010/main" xmlns="" val="2733932625"/>
+        <p14:creationId xmlns="" xmlns:p14="http://schemas.microsoft.com/office/powerpoint/2010/main" val="2733932625"/>
       </p:ext>
     </p:extLst>
   </p:cSld>
@@ -2117,7 +2121,7 @@
             <a:fld id="{723A0364-9678-4EB8-9394-088FB36AD65B}" type="datetimeFigureOut">
               <a:rPr lang="ru-RU" smtClean="0"/>
               <a:pPr/>
-              <a:t>24.02.2026</a:t>
+              <a:t>27.02.2026</a:t>
             </a:fld>
             <a:endParaRPr lang="ru-RU" dirty="0"/>
           </a:p>
@@ -2169,7 +2173,7 @@
     </p:spTree>
     <p:extLst>
       <p:ext uri="{BB962C8B-B14F-4D97-AF65-F5344CB8AC3E}">
-        <p14:creationId xmlns:p14="http://schemas.microsoft.com/office/powerpoint/2010/main" xmlns="" val="3565724435"/>
+        <p14:creationId xmlns="" xmlns:p14="http://schemas.microsoft.com/office/powerpoint/2010/main" val="3565724435"/>
       </p:ext>
     </p:extLst>
   </p:cSld>
@@ -2372,7 +2376,7 @@
             <a:fld id="{723A0364-9678-4EB8-9394-088FB36AD65B}" type="datetimeFigureOut">
               <a:rPr lang="ru-RU" smtClean="0"/>
               <a:pPr/>
-              <a:t>24.02.2026</a:t>
+              <a:t>27.02.2026</a:t>
             </a:fld>
             <a:endParaRPr lang="ru-RU" dirty="0"/>
           </a:p>
@@ -2424,7 +2428,7 @@
     </p:spTree>
     <p:extLst>
       <p:ext uri="{BB962C8B-B14F-4D97-AF65-F5344CB8AC3E}">
-        <p14:creationId xmlns:p14="http://schemas.microsoft.com/office/powerpoint/2010/main" xmlns="" val="4261858001"/>
+        <p14:creationId xmlns="" xmlns:p14="http://schemas.microsoft.com/office/powerpoint/2010/main" val="4261858001"/>
       </p:ext>
     </p:extLst>
   </p:cSld>
@@ -2587,7 +2591,7 @@
             <a:fld id="{723A0364-9678-4EB8-9394-088FB36AD65B}" type="datetimeFigureOut">
               <a:rPr lang="ru-RU" smtClean="0"/>
               <a:pPr/>
-              <a:t>24.02.2026</a:t>
+              <a:t>27.02.2026</a:t>
             </a:fld>
             <a:endParaRPr lang="ru-RU" dirty="0"/>
           </a:p>
@@ -2675,7 +2679,7 @@
     </p:spTree>
     <p:extLst>
       <p:ext uri="{BB962C8B-B14F-4D97-AF65-F5344CB8AC3E}">
-        <p14:creationId xmlns:p14="http://schemas.microsoft.com/office/powerpoint/2010/main" xmlns="" val="3609010790"/>
+        <p14:creationId xmlns="" xmlns:p14="http://schemas.microsoft.com/office/powerpoint/2010/main" val="3609010790"/>
       </p:ext>
     </p:extLst>
   </p:cSld>
@@ -2995,6 +2999,192 @@
       </p:grpSpPr>
       <p:sp>
         <p:nvSpPr>
+          <p:cNvPr id="7" name="Прямоугольник 6"/>
+          <p:cNvSpPr/>
+          <p:nvPr/>
+        </p:nvSpPr>
+        <p:spPr>
+          <a:xfrm>
+            <a:off x="0" y="1114425"/>
+            <a:ext cx="12192000" cy="2543175"/>
+          </a:xfrm>
+          <a:prstGeom prst="rect">
+            <a:avLst/>
+          </a:prstGeom>
+          <a:solidFill>
+            <a:srgbClr val="CC00FF"/>
+          </a:solidFill>
+        </p:spPr>
+        <p:style>
+          <a:lnRef idx="2">
+            <a:schemeClr val="accent1">
+              <a:shade val="50000"/>
+            </a:schemeClr>
+          </a:lnRef>
+          <a:fillRef idx="1">
+            <a:schemeClr val="accent1"/>
+          </a:fillRef>
+          <a:effectRef idx="0">
+            <a:schemeClr val="accent1"/>
+          </a:effectRef>
+          <a:fontRef idx="minor">
+            <a:schemeClr val="lt1"/>
+          </a:fontRef>
+        </p:style>
+        <p:txBody>
+          <a:bodyPr rtlCol="0" anchor="ctr"/>
+          <a:lstStyle/>
+          <a:p>
+            <a:pPr algn="ctr"/>
+            <a:endParaRPr lang="ru-RU" dirty="0">
+              <a:solidFill>
+                <a:srgbClr val="CC00FF"/>
+              </a:solidFill>
+            </a:endParaRPr>
+          </a:p>
+        </p:txBody>
+      </p:sp>
+      <p:sp>
+        <p:nvSpPr>
+          <p:cNvPr id="6" name="Прямоугольник с одним вырезанным углом 5"/>
+          <p:cNvSpPr/>
+          <p:nvPr/>
+        </p:nvSpPr>
+        <p:spPr>
+          <a:xfrm flipH="1">
+            <a:off x="5448296" y="3860800"/>
+            <a:ext cx="6743703" cy="2793999"/>
+          </a:xfrm>
+          <a:prstGeom prst="snip1Rect">
+            <a:avLst/>
+          </a:prstGeom>
+          <a:solidFill>
+            <a:schemeClr val="tx1">
+              <a:lumMod val="75000"/>
+              <a:lumOff val="25000"/>
+            </a:schemeClr>
+          </a:solidFill>
+        </p:spPr>
+        <p:style>
+          <a:lnRef idx="2">
+            <a:schemeClr val="accent1">
+              <a:shade val="50000"/>
+            </a:schemeClr>
+          </a:lnRef>
+          <a:fillRef idx="1">
+            <a:schemeClr val="accent1"/>
+          </a:fillRef>
+          <a:effectRef idx="0">
+            <a:schemeClr val="accent1"/>
+          </a:effectRef>
+          <a:fontRef idx="minor">
+            <a:schemeClr val="lt1"/>
+          </a:fontRef>
+        </p:style>
+        <p:txBody>
+          <a:bodyPr rtlCol="0" anchor="ctr"/>
+          <a:lstStyle/>
+          <a:p>
+            <a:pPr algn="ctr"/>
+            <a:endParaRPr lang="ru-RU"/>
+          </a:p>
+        </p:txBody>
+      </p:sp>
+      <p:sp>
+        <p:nvSpPr>
+          <p:cNvPr id="5" name="Прямоугольник с одним вырезанным углом 4"/>
+          <p:cNvSpPr/>
+          <p:nvPr/>
+        </p:nvSpPr>
+        <p:spPr>
+          <a:xfrm flipH="1">
+            <a:off x="5648324" y="4010025"/>
+            <a:ext cx="6543673" cy="2371725"/>
+          </a:xfrm>
+          <a:prstGeom prst="snip1Rect">
+            <a:avLst/>
+          </a:prstGeom>
+          <a:solidFill>
+            <a:schemeClr val="tx1">
+              <a:lumMod val="65000"/>
+              <a:lumOff val="35000"/>
+            </a:schemeClr>
+          </a:solidFill>
+        </p:spPr>
+        <p:style>
+          <a:lnRef idx="2">
+            <a:schemeClr val="accent1">
+              <a:shade val="50000"/>
+            </a:schemeClr>
+          </a:lnRef>
+          <a:fillRef idx="1">
+            <a:schemeClr val="accent1"/>
+          </a:fillRef>
+          <a:effectRef idx="0">
+            <a:schemeClr val="accent1"/>
+          </a:effectRef>
+          <a:fontRef idx="minor">
+            <a:schemeClr val="lt1"/>
+          </a:fontRef>
+        </p:style>
+        <p:txBody>
+          <a:bodyPr rtlCol="0" anchor="ctr"/>
+          <a:lstStyle/>
+          <a:p>
+            <a:pPr algn="ctr"/>
+            <a:endParaRPr lang="ru-RU"/>
+          </a:p>
+        </p:txBody>
+      </p:sp>
+      <p:sp>
+        <p:nvSpPr>
+          <p:cNvPr id="4" name="Прямоугольник 3"/>
+          <p:cNvSpPr/>
+          <p:nvPr/>
+        </p:nvSpPr>
+        <p:spPr>
+          <a:xfrm>
+            <a:off x="0" y="1304925"/>
+            <a:ext cx="12192000" cy="2209800"/>
+          </a:xfrm>
+          <a:prstGeom prst="rect">
+            <a:avLst/>
+          </a:prstGeom>
+          <a:solidFill>
+            <a:srgbClr val="9900CC"/>
+          </a:solidFill>
+        </p:spPr>
+        <p:style>
+          <a:lnRef idx="2">
+            <a:schemeClr val="accent1">
+              <a:shade val="50000"/>
+            </a:schemeClr>
+          </a:lnRef>
+          <a:fillRef idx="1">
+            <a:schemeClr val="accent1"/>
+          </a:fillRef>
+          <a:effectRef idx="0">
+            <a:schemeClr val="accent1"/>
+          </a:effectRef>
+          <a:fontRef idx="minor">
+            <a:schemeClr val="lt1"/>
+          </a:fontRef>
+        </p:style>
+        <p:txBody>
+          <a:bodyPr rtlCol="0" anchor="ctr"/>
+          <a:lstStyle/>
+          <a:p>
+            <a:pPr algn="ctr"/>
+            <a:endParaRPr lang="ru-RU" dirty="0">
+              <a:solidFill>
+                <a:srgbClr val="CC00FF"/>
+              </a:solidFill>
+            </a:endParaRPr>
+          </a:p>
+        </p:txBody>
+      </p:sp>
+      <p:sp>
+        <p:nvSpPr>
           <p:cNvPr id="2" name="Заголовок 1"/>
           <p:cNvSpPr>
             <a:spLocks noGrp="1"/>
@@ -3005,8 +3195,8 @@
         </p:nvSpPr>
         <p:spPr>
           <a:xfrm>
-            <a:off x="1613646" y="1030940"/>
-            <a:ext cx="9036425" cy="2680447"/>
+            <a:off x="0" y="1421465"/>
+            <a:ext cx="12192000" cy="1874185"/>
           </a:xfrm>
         </p:spPr>
         <p:txBody>
@@ -3016,40 +3206,38 @@
           <a:lstStyle/>
           <a:p>
             <a:r>
-              <a:rPr lang="ru-RU" sz="4400" dirty="0" smtClean="0">
+              <a:rPr lang="ru-RU" sz="4000" dirty="0" smtClean="0">
+                <a:solidFill>
+                  <a:schemeClr val="bg1"/>
+                </a:solidFill>
                 <a:latin typeface="Times New Roman" pitchFamily="18" charset="0"/>
                 <a:cs typeface="Times New Roman" pitchFamily="18" charset="0"/>
               </a:rPr>
               <a:t>Курсовой проект</a:t>
             </a:r>
             <a:br>
-              <a:rPr lang="ru-RU" sz="4400" dirty="0" smtClean="0">
+              <a:rPr lang="ru-RU" sz="4000" dirty="0" smtClean="0">
+                <a:solidFill>
+                  <a:schemeClr val="bg1"/>
+                </a:solidFill>
                 <a:latin typeface="Times New Roman" pitchFamily="18" charset="0"/>
                 <a:cs typeface="Times New Roman" pitchFamily="18" charset="0"/>
               </a:rPr>
             </a:br>
             <a:r>
-              <a:rPr lang="ru-RU" sz="4400" dirty="0" smtClean="0">
+              <a:rPr lang="ru-RU" sz="4000" dirty="0" smtClean="0">
+                <a:solidFill>
+                  <a:schemeClr val="bg1"/>
+                </a:solidFill>
                 <a:latin typeface="Times New Roman" pitchFamily="18" charset="0"/>
                 <a:cs typeface="Times New Roman" pitchFamily="18" charset="0"/>
               </a:rPr>
-              <a:t>Разработка </a:t>
-            </a:r>
-            <a:r>
-              <a:rPr lang="ru-RU" sz="4400" dirty="0" smtClean="0">
-                <a:latin typeface="Times New Roman" pitchFamily="18" charset="0"/>
-                <a:cs typeface="Times New Roman" pitchFamily="18" charset="0"/>
-              </a:rPr>
-              <a:t>базы данных информационной системы </a:t>
-            </a:r>
-            <a:r>
-              <a:rPr lang="ru-RU" sz="4400" dirty="0" smtClean="0">
-                <a:latin typeface="Times New Roman" pitchFamily="18" charset="0"/>
-                <a:cs typeface="Times New Roman" pitchFamily="18" charset="0"/>
-              </a:rPr>
-              <a:t>«Расписание в вузе»</a:t>
-            </a:r>
-            <a:endParaRPr lang="ru-RU" sz="4400" dirty="0">
+              <a:t>Разработка базы данных информационной системы «Расписание в вузе»</a:t>
+            </a:r>
+            <a:endParaRPr lang="ru-RU" sz="4000" dirty="0">
+              <a:solidFill>
+                <a:schemeClr val="bg1"/>
+              </a:solidFill>
               <a:latin typeface="Times New Roman" pitchFamily="18" charset="0"/>
               <a:cs typeface="Times New Roman" pitchFamily="18" charset="0"/>
             </a:endParaRPr>
@@ -3068,65 +3256,626 @@
         </p:nvSpPr>
         <p:spPr>
           <a:xfrm>
-            <a:off x="0" y="4775662"/>
-            <a:ext cx="9144000" cy="2082338"/>
+            <a:off x="6019800" y="4204162"/>
+            <a:ext cx="6172200" cy="2082338"/>
           </a:xfrm>
         </p:spPr>
         <p:txBody>
           <a:bodyPr>
-            <a:normAutofit/>
+            <a:normAutofit lnSpcReduction="10000"/>
           </a:bodyPr>
           <a:lstStyle/>
           <a:p>
             <a:pPr algn="l"/>
             <a:r>
-              <a:rPr lang="ru-RU" dirty="0" smtClean="0"/>
-              <a:t>по </a:t>
-            </a:r>
-            <a:r>
-              <a:rPr lang="ru-RU" dirty="0" smtClean="0"/>
+              <a:rPr lang="ru-RU" dirty="0" smtClean="0">
+                <a:solidFill>
+                  <a:schemeClr val="bg1"/>
+                </a:solidFill>
+              </a:rPr>
+              <a:t>По </a:t>
+            </a:r>
+            <a:r>
+              <a:rPr lang="ru-RU" dirty="0" smtClean="0">
+                <a:solidFill>
+                  <a:schemeClr val="bg1"/>
+                </a:solidFill>
+              </a:rPr>
               <a:t>дисциплине «Технология разработки и защиты баз данных»</a:t>
             </a:r>
           </a:p>
           <a:p>
             <a:pPr algn="l"/>
             <a:r>
-              <a:rPr lang="ru-RU" dirty="0" smtClean="0"/>
-              <a:t>Выполнил: Шаяхметов Анатолий </a:t>
-            </a:r>
-            <a:r>
-              <a:rPr lang="ru-RU" dirty="0" smtClean="0"/>
-              <a:t>Рамисович</a:t>
-            </a:r>
-            <a:endParaRPr lang="ru-RU" dirty="0" smtClean="0"/>
+              <a:rPr lang="ru-RU" dirty="0" smtClean="0">
+                <a:solidFill>
+                  <a:schemeClr val="bg1"/>
+                </a:solidFill>
+              </a:rPr>
+              <a:t>Выполнил: Шаяхметов Анатолий Рамисович</a:t>
+            </a:r>
           </a:p>
           <a:p>
             <a:pPr algn="l"/>
             <a:r>
-              <a:rPr lang="ru-RU" dirty="0" smtClean="0"/>
+              <a:rPr lang="ru-RU" dirty="0" smtClean="0">
+                <a:solidFill>
+                  <a:schemeClr val="bg1"/>
+                </a:solidFill>
+              </a:rPr>
               <a:t>Группа: ИСП-Б-234-2024</a:t>
             </a:r>
           </a:p>
           <a:p>
             <a:pPr algn="l"/>
             <a:r>
-              <a:rPr lang="ru-RU" dirty="0" smtClean="0"/>
+              <a:rPr lang="ru-RU" dirty="0" smtClean="0">
+                <a:solidFill>
+                  <a:schemeClr val="bg1"/>
+                </a:solidFill>
+              </a:rPr>
               <a:t>Руководитель: Шадрин Евгений Николаевич</a:t>
             </a:r>
-            <a:endParaRPr lang="ru-RU" dirty="0"/>
+            <a:endParaRPr lang="ru-RU" dirty="0">
+              <a:solidFill>
+                <a:schemeClr val="bg1"/>
+              </a:solidFill>
+            </a:endParaRPr>
           </a:p>
         </p:txBody>
       </p:sp>
     </p:spTree>
     <p:extLst>
       <p:ext uri="{BB962C8B-B14F-4D97-AF65-F5344CB8AC3E}">
-        <p14:creationId xmlns:p14="http://schemas.microsoft.com/office/powerpoint/2010/main" xmlns="" val="996160211"/>
+        <p14:creationId xmlns="" xmlns:p14="http://schemas.microsoft.com/office/powerpoint/2010/main" val="996160211"/>
       </p:ext>
     </p:extLst>
   </p:cSld>
   <p:clrMapOvr>
     <a:masterClrMapping/>
   </p:clrMapOvr>
+  <p:timing>
+    <p:tnLst>
+      <p:par>
+        <p:cTn id="1" dur="indefinite" restart="never" nodeType="tmRoot"/>
+      </p:par>
+    </p:tnLst>
+  </p:timing>
+</p:sld>
+</file>
+
+<file path=ppt/slides/slide10.xml><?xml version="1.0" encoding="utf-8"?>
+<p:sld xmlns:a="http://schemas.openxmlformats.org/drawingml/2006/main" xmlns:r="http://schemas.openxmlformats.org/officeDocument/2006/relationships" xmlns:p="http://schemas.openxmlformats.org/presentationml/2006/main">
+  <p:cSld>
+    <p:spTree>
+      <p:nvGrpSpPr>
+        <p:cNvPr id="1" name=""/>
+        <p:cNvGrpSpPr/>
+        <p:nvPr/>
+      </p:nvGrpSpPr>
+      <p:grpSpPr>
+        <a:xfrm>
+          <a:off x="0" y="0"/>
+          <a:ext cx="0" cy="0"/>
+          <a:chOff x="0" y="0"/>
+          <a:chExt cx="0" cy="0"/>
+        </a:xfrm>
+      </p:grpSpPr>
+      <p:sp>
+        <p:nvSpPr>
+          <p:cNvPr id="6" name="Прямоугольник 5"/>
+          <p:cNvSpPr/>
+          <p:nvPr/>
+        </p:nvSpPr>
+        <p:spPr>
+          <a:xfrm>
+            <a:off x="0" y="1737084"/>
+            <a:ext cx="12192000" cy="2869153"/>
+          </a:xfrm>
+          <a:prstGeom prst="rect">
+            <a:avLst/>
+          </a:prstGeom>
+          <a:solidFill>
+            <a:schemeClr val="tx1">
+              <a:lumMod val="75000"/>
+              <a:lumOff val="25000"/>
+            </a:schemeClr>
+          </a:solidFill>
+        </p:spPr>
+        <p:style>
+          <a:lnRef idx="2">
+            <a:schemeClr val="accent1">
+              <a:shade val="50000"/>
+            </a:schemeClr>
+          </a:lnRef>
+          <a:fillRef idx="1">
+            <a:schemeClr val="accent1"/>
+          </a:fillRef>
+          <a:effectRef idx="0">
+            <a:schemeClr val="accent1"/>
+          </a:effectRef>
+          <a:fontRef idx="minor">
+            <a:schemeClr val="lt1"/>
+          </a:fontRef>
+        </p:style>
+        <p:txBody>
+          <a:bodyPr rtlCol="0" anchor="ctr"/>
+          <a:lstStyle/>
+          <a:p>
+            <a:pPr algn="ctr"/>
+            <a:endParaRPr lang="ru-RU" dirty="0">
+              <a:solidFill>
+                <a:srgbClr val="CC00FF"/>
+              </a:solidFill>
+            </a:endParaRPr>
+          </a:p>
+        </p:txBody>
+      </p:sp>
+      <p:sp>
+        <p:nvSpPr>
+          <p:cNvPr id="7" name="Прямоугольник 6"/>
+          <p:cNvSpPr/>
+          <p:nvPr/>
+        </p:nvSpPr>
+        <p:spPr>
+          <a:xfrm>
+            <a:off x="0" y="2275414"/>
+            <a:ext cx="12192000" cy="1895475"/>
+          </a:xfrm>
+          <a:prstGeom prst="rect">
+            <a:avLst/>
+          </a:prstGeom>
+          <a:solidFill>
+            <a:schemeClr val="tx1">
+              <a:lumMod val="65000"/>
+              <a:lumOff val="35000"/>
+            </a:schemeClr>
+          </a:solidFill>
+        </p:spPr>
+        <p:style>
+          <a:lnRef idx="2">
+            <a:schemeClr val="accent1">
+              <a:shade val="50000"/>
+            </a:schemeClr>
+          </a:lnRef>
+          <a:fillRef idx="1">
+            <a:schemeClr val="accent1"/>
+          </a:fillRef>
+          <a:effectRef idx="0">
+            <a:schemeClr val="accent1"/>
+          </a:effectRef>
+          <a:fontRef idx="minor">
+            <a:schemeClr val="lt1"/>
+          </a:fontRef>
+        </p:style>
+        <p:txBody>
+          <a:bodyPr rtlCol="0" anchor="ctr"/>
+          <a:lstStyle/>
+          <a:p>
+            <a:pPr algn="ctr"/>
+            <a:endParaRPr lang="ru-RU" dirty="0">
+              <a:solidFill>
+                <a:srgbClr val="CC00FF"/>
+              </a:solidFill>
+            </a:endParaRPr>
+          </a:p>
+        </p:txBody>
+      </p:sp>
+      <p:sp>
+        <p:nvSpPr>
+          <p:cNvPr id="4" name="TextBox 3"/>
+          <p:cNvSpPr txBox="1"/>
+          <p:nvPr/>
+        </p:nvSpPr>
+        <p:spPr>
+          <a:xfrm>
+            <a:off x="0" y="5934670"/>
+            <a:ext cx="4019550" cy="923330"/>
+          </a:xfrm>
+          <a:prstGeom prst="rect">
+            <a:avLst/>
+          </a:prstGeom>
+          <a:noFill/>
+        </p:spPr>
+        <p:txBody>
+          <a:bodyPr wrap="square" rtlCol="0">
+            <a:spAutoFit/>
+          </a:bodyPr>
+          <a:lstStyle/>
+          <a:p>
+            <a:r>
+              <a:rPr lang="ru-RU" sz="5400" b="1" dirty="0" smtClean="0"/>
+              <a:t>Заключение</a:t>
+            </a:r>
+            <a:endParaRPr lang="ru-RU" sz="5400" b="1" dirty="0"/>
+          </a:p>
+        </p:txBody>
+      </p:sp>
+      <p:sp>
+        <p:nvSpPr>
+          <p:cNvPr id="3" name="Скругленный прямоугольник 2"/>
+          <p:cNvSpPr/>
+          <p:nvPr/>
+        </p:nvSpPr>
+        <p:spPr>
+          <a:xfrm>
+            <a:off x="132230" y="1146550"/>
+            <a:ext cx="3619392" cy="2663450"/>
+          </a:xfrm>
+          <a:prstGeom prst="roundRect">
+            <a:avLst/>
+          </a:prstGeom>
+          <a:solidFill>
+            <a:schemeClr val="bg1"/>
+          </a:solidFill>
+          <a:ln w="76200">
+            <a:solidFill>
+              <a:schemeClr val="tx1">
+                <a:lumMod val="50000"/>
+                <a:lumOff val="50000"/>
+              </a:schemeClr>
+            </a:solidFill>
+          </a:ln>
+        </p:spPr>
+        <p:style>
+          <a:lnRef idx="2">
+            <a:schemeClr val="accent1">
+              <a:shade val="50000"/>
+            </a:schemeClr>
+          </a:lnRef>
+          <a:fillRef idx="1">
+            <a:schemeClr val="accent1"/>
+          </a:fillRef>
+          <a:effectRef idx="0">
+            <a:schemeClr val="accent1"/>
+          </a:effectRef>
+          <a:fontRef idx="minor">
+            <a:schemeClr val="lt1"/>
+          </a:fontRef>
+        </p:style>
+        <p:txBody>
+          <a:bodyPr rtlCol="0" anchor="ctr"/>
+          <a:lstStyle/>
+          <a:p>
+            <a:r>
+              <a:rPr lang="ru-RU" b="1" dirty="0" smtClean="0">
+                <a:solidFill>
+                  <a:schemeClr val="tx1"/>
+                </a:solidFill>
+              </a:rPr>
+              <a:t>Проектирование БД: </a:t>
+            </a:r>
+            <a:r>
+              <a:rPr lang="ru-RU" dirty="0" smtClean="0">
+                <a:solidFill>
+                  <a:schemeClr val="tx1"/>
+                </a:solidFill>
+              </a:rPr>
+              <a:t>Была сделана реляционная </a:t>
+            </a:r>
+            <a:r>
+              <a:rPr lang="ru-RU" dirty="0" smtClean="0">
+                <a:solidFill>
+                  <a:schemeClr val="tx1"/>
+                </a:solidFill>
+              </a:rPr>
+              <a:t>база данных в среде MS SQL </a:t>
+            </a:r>
+            <a:r>
+              <a:rPr lang="ru-RU" dirty="0" smtClean="0">
+                <a:solidFill>
+                  <a:schemeClr val="tx1"/>
+                </a:solidFill>
+              </a:rPr>
+              <a:t>Server</a:t>
+            </a:r>
+            <a:endParaRPr lang="ru-RU" dirty="0">
+              <a:solidFill>
+                <a:schemeClr val="tx1"/>
+              </a:solidFill>
+            </a:endParaRPr>
+          </a:p>
+        </p:txBody>
+      </p:sp>
+      <p:sp>
+        <p:nvSpPr>
+          <p:cNvPr id="8" name="Скругленный прямоугольник 7"/>
+          <p:cNvSpPr/>
+          <p:nvPr/>
+        </p:nvSpPr>
+        <p:spPr>
+          <a:xfrm>
+            <a:off x="3875555" y="3384925"/>
+            <a:ext cx="3753970" cy="2663450"/>
+          </a:xfrm>
+          <a:prstGeom prst="roundRect">
+            <a:avLst/>
+          </a:prstGeom>
+          <a:solidFill>
+            <a:schemeClr val="bg1"/>
+          </a:solidFill>
+          <a:ln w="76200">
+            <a:solidFill>
+              <a:schemeClr val="tx1">
+                <a:lumMod val="50000"/>
+                <a:lumOff val="50000"/>
+              </a:schemeClr>
+            </a:solidFill>
+          </a:ln>
+        </p:spPr>
+        <p:style>
+          <a:lnRef idx="2">
+            <a:schemeClr val="accent1">
+              <a:shade val="50000"/>
+            </a:schemeClr>
+          </a:lnRef>
+          <a:fillRef idx="1">
+            <a:schemeClr val="accent1"/>
+          </a:fillRef>
+          <a:effectRef idx="0">
+            <a:schemeClr val="accent1"/>
+          </a:effectRef>
+          <a:fontRef idx="minor">
+            <a:schemeClr val="lt1"/>
+          </a:fontRef>
+        </p:style>
+        <p:txBody>
+          <a:bodyPr rtlCol="0" anchor="ctr"/>
+          <a:lstStyle/>
+          <a:p>
+            <a:r>
+              <a:rPr lang="ru-RU" b="1" dirty="0" smtClean="0">
+                <a:solidFill>
+                  <a:schemeClr val="tx1"/>
+                </a:solidFill>
+              </a:rPr>
+              <a:t>Автоматизация логики: </a:t>
+            </a:r>
+            <a:r>
+              <a:rPr lang="ru-RU" dirty="0" smtClean="0">
+                <a:solidFill>
+                  <a:schemeClr val="tx1"/>
+                </a:solidFill>
+              </a:rPr>
+              <a:t>Разработан программный модуль на языке C# (WPF), который автоматически проверяет конфликты при составлении расписания: занятость преподавателей, аудиторий и групп в конкретные временные </a:t>
+            </a:r>
+            <a:r>
+              <a:rPr lang="ru-RU" dirty="0" smtClean="0">
+                <a:solidFill>
+                  <a:schemeClr val="tx1"/>
+                </a:solidFill>
+              </a:rPr>
+              <a:t>интервалы</a:t>
+            </a:r>
+            <a:endParaRPr lang="ru-RU" dirty="0" smtClean="0">
+              <a:solidFill>
+                <a:schemeClr val="tx1"/>
+              </a:solidFill>
+            </a:endParaRPr>
+          </a:p>
+        </p:txBody>
+      </p:sp>
+      <p:sp>
+        <p:nvSpPr>
+          <p:cNvPr id="9" name="Скругленный прямоугольник 8"/>
+          <p:cNvSpPr/>
+          <p:nvPr/>
+        </p:nvSpPr>
+        <p:spPr>
+          <a:xfrm>
+            <a:off x="4694705" y="365500"/>
+            <a:ext cx="3619392" cy="2663450"/>
+          </a:xfrm>
+          <a:prstGeom prst="roundRect">
+            <a:avLst/>
+          </a:prstGeom>
+          <a:solidFill>
+            <a:schemeClr val="bg1"/>
+          </a:solidFill>
+          <a:ln w="76200">
+            <a:solidFill>
+              <a:schemeClr val="tx1">
+                <a:lumMod val="50000"/>
+                <a:lumOff val="50000"/>
+              </a:schemeClr>
+            </a:solidFill>
+          </a:ln>
+        </p:spPr>
+        <p:style>
+          <a:lnRef idx="2">
+            <a:schemeClr val="accent1">
+              <a:shade val="50000"/>
+            </a:schemeClr>
+          </a:lnRef>
+          <a:fillRef idx="1">
+            <a:schemeClr val="accent1"/>
+          </a:fillRef>
+          <a:effectRef idx="0">
+            <a:schemeClr val="accent1"/>
+          </a:effectRef>
+          <a:fontRef idx="minor">
+            <a:schemeClr val="lt1"/>
+          </a:fontRef>
+        </p:style>
+        <p:txBody>
+          <a:bodyPr rtlCol="0" anchor="ctr"/>
+          <a:lstStyle/>
+          <a:p>
+            <a:r>
+              <a:rPr lang="ru-RU" b="1" dirty="0" smtClean="0">
+                <a:solidFill>
+                  <a:schemeClr val="tx1"/>
+                </a:solidFill>
+              </a:rPr>
+              <a:t>Удобство интерфейса: </a:t>
+            </a:r>
+            <a:r>
+              <a:rPr lang="ru-RU" dirty="0" smtClean="0">
+                <a:solidFill>
+                  <a:schemeClr val="tx1"/>
+                </a:solidFill>
+              </a:rPr>
+              <a:t>Реализована система управления </a:t>
+            </a:r>
+            <a:r>
+              <a:rPr lang="ru-RU" dirty="0" smtClean="0">
+                <a:solidFill>
+                  <a:schemeClr val="tx1"/>
+                </a:solidFill>
+              </a:rPr>
+              <a:t>расписанием </a:t>
+            </a:r>
+            <a:r>
+              <a:rPr lang="ru-RU" dirty="0" smtClean="0">
+                <a:solidFill>
+                  <a:schemeClr val="tx1"/>
+                </a:solidFill>
+              </a:rPr>
+              <a:t>(преподаватели, группы, кабинеты) с использованием </a:t>
+            </a:r>
+            <a:r>
+              <a:rPr lang="ru-RU" dirty="0" smtClean="0">
+                <a:solidFill>
+                  <a:schemeClr val="tx1"/>
+                </a:solidFill>
+              </a:rPr>
+              <a:t>тегов/кафедр, </a:t>
+            </a:r>
+            <a:r>
+              <a:rPr lang="ru-RU" dirty="0" smtClean="0">
+                <a:solidFill>
+                  <a:schemeClr val="tx1"/>
+                </a:solidFill>
+              </a:rPr>
+              <a:t>что позволяет гибко настраивать систему под нужды </a:t>
+            </a:r>
+            <a:r>
+              <a:rPr lang="ru-RU" dirty="0" smtClean="0">
+                <a:solidFill>
+                  <a:schemeClr val="tx1"/>
+                </a:solidFill>
+              </a:rPr>
+              <a:t>конкретной группы</a:t>
+            </a:r>
+            <a:endParaRPr lang="ru-RU" dirty="0" smtClean="0">
+              <a:solidFill>
+                <a:schemeClr val="tx1"/>
+              </a:solidFill>
+            </a:endParaRPr>
+          </a:p>
+        </p:txBody>
+      </p:sp>
+      <p:sp>
+        <p:nvSpPr>
+          <p:cNvPr id="10" name="Скругленный прямоугольник 9"/>
+          <p:cNvSpPr/>
+          <p:nvPr/>
+        </p:nvSpPr>
+        <p:spPr>
+          <a:xfrm>
+            <a:off x="8438030" y="2603875"/>
+            <a:ext cx="3753970" cy="2663450"/>
+          </a:xfrm>
+          <a:prstGeom prst="roundRect">
+            <a:avLst/>
+          </a:prstGeom>
+          <a:solidFill>
+            <a:schemeClr val="bg1"/>
+          </a:solidFill>
+          <a:ln w="76200">
+            <a:solidFill>
+              <a:schemeClr val="tx1">
+                <a:lumMod val="50000"/>
+                <a:lumOff val="50000"/>
+              </a:schemeClr>
+            </a:solidFill>
+          </a:ln>
+        </p:spPr>
+        <p:style>
+          <a:lnRef idx="2">
+            <a:schemeClr val="accent1">
+              <a:shade val="50000"/>
+            </a:schemeClr>
+          </a:lnRef>
+          <a:fillRef idx="1">
+            <a:schemeClr val="accent1"/>
+          </a:fillRef>
+          <a:effectRef idx="0">
+            <a:schemeClr val="accent1"/>
+          </a:effectRef>
+          <a:fontRef idx="minor">
+            <a:schemeClr val="lt1"/>
+          </a:fontRef>
+        </p:style>
+        <p:txBody>
+          <a:bodyPr rtlCol="0" anchor="ctr"/>
+          <a:lstStyle/>
+          <a:p>
+            <a:r>
+              <a:rPr lang="ru-RU" b="1" dirty="0" smtClean="0">
+                <a:solidFill>
+                  <a:schemeClr val="tx1"/>
+                </a:solidFill>
+              </a:rPr>
+              <a:t>Итог: </a:t>
+            </a:r>
+            <a:r>
+              <a:rPr lang="ru-RU" dirty="0" smtClean="0">
+                <a:solidFill>
+                  <a:schemeClr val="tx1"/>
+                </a:solidFill>
+              </a:rPr>
+              <a:t>Система которая полностью решает с поставленным требованием с автоматизацией учебной </a:t>
+            </a:r>
+            <a:r>
+              <a:rPr lang="ru-RU" dirty="0" smtClean="0">
+                <a:solidFill>
+                  <a:schemeClr val="tx1"/>
+                </a:solidFill>
+              </a:rPr>
+              <a:t>нагрузки и может быть использована для повышения эффективности работы диспетчерской </a:t>
+            </a:r>
+            <a:r>
+              <a:rPr lang="ru-RU" smtClean="0">
+                <a:solidFill>
+                  <a:schemeClr val="tx1"/>
+                </a:solidFill>
+              </a:rPr>
+              <a:t>службы </a:t>
+            </a:r>
+            <a:r>
+              <a:rPr lang="ru-RU" smtClean="0">
+                <a:solidFill>
+                  <a:schemeClr val="tx1"/>
+                </a:solidFill>
+              </a:rPr>
+              <a:t>вуза</a:t>
+            </a:r>
+            <a:endParaRPr lang="ru-RU" dirty="0" smtClean="0">
+              <a:solidFill>
+                <a:schemeClr val="tx1"/>
+              </a:solidFill>
+            </a:endParaRPr>
+          </a:p>
+        </p:txBody>
+      </p:sp>
+    </p:spTree>
+    <p:extLst>
+      <p:ext uri="{BB962C8B-B14F-4D97-AF65-F5344CB8AC3E}">
+        <p14:creationId xmlns="" xmlns:p14="http://schemas.microsoft.com/office/powerpoint/2010/main" val="2187832369"/>
+      </p:ext>
+    </p:extLst>
+  </p:cSld>
+  <p:clrMapOvr>
+    <a:masterClrMapping/>
+  </p:clrMapOvr>
+  <p:timing>
+    <p:tnLst>
+      <p:par>
+        <p:cTn id="1" dur="indefinite" restart="never" nodeType="tmRoot"/>
+      </p:par>
+    </p:tnLst>
+  </p:timing>
 </p:sld>
 </file>
 
@@ -3149,58 +3898,24 @@
       </p:grpSpPr>
       <p:sp>
         <p:nvSpPr>
-          <p:cNvPr id="4" name="TextBox 3"/>
-          <p:cNvSpPr txBox="1"/>
+          <p:cNvPr id="12" name="Прямоугольник 11"/>
+          <p:cNvSpPr/>
           <p:nvPr/>
         </p:nvSpPr>
         <p:spPr>
-          <a:xfrm>
-            <a:off x="0" y="0"/>
-            <a:ext cx="6024282" cy="523220"/>
+          <a:xfrm rot="2269930">
+            <a:off x="-2128129" y="2575284"/>
+            <a:ext cx="16421568" cy="2869153"/>
           </a:xfrm>
           <a:prstGeom prst="rect">
             <a:avLst/>
           </a:prstGeom>
-          <a:noFill/>
-        </p:spPr>
-        <p:txBody>
-          <a:bodyPr wrap="square" rtlCol="0" anchor="ctr">
-            <a:spAutoFit/>
-          </a:bodyPr>
-          <a:lstStyle/>
-          <a:p>
-            <a:r>
-              <a:rPr lang="ru-RU" sz="2800" b="1" dirty="0" smtClean="0"/>
-              <a:t>Цели и </a:t>
-            </a:r>
-            <a:r>
-              <a:rPr lang="ru-RU" sz="2800" b="1" dirty="0" smtClean="0"/>
-              <a:t>задачи проекта:</a:t>
-            </a:r>
-            <a:endParaRPr lang="ru-RU" sz="2800" b="1" dirty="0"/>
-          </a:p>
-        </p:txBody>
-      </p:sp>
-      <p:sp>
-        <p:nvSpPr>
-          <p:cNvPr id="5" name="Скругленный прямоугольник 4"/>
-          <p:cNvSpPr/>
-          <p:nvPr/>
-        </p:nvSpPr>
-        <p:spPr>
-          <a:xfrm>
-            <a:off x="770964" y="923365"/>
-            <a:ext cx="5047130" cy="1676400"/>
-          </a:xfrm>
-          <a:prstGeom prst="roundRect">
-            <a:avLst/>
-          </a:prstGeom>
-          <a:noFill/>
-          <a:ln w="76200">
-            <a:solidFill>
-              <a:srgbClr val="CC00FF"/>
-            </a:solidFill>
-          </a:ln>
+          <a:solidFill>
+            <a:schemeClr val="tx1">
+              <a:lumMod val="75000"/>
+              <a:lumOff val="25000"/>
+            </a:schemeClr>
+          </a:solidFill>
         </p:spPr>
         <p:style>
           <a:lnRef idx="2">
@@ -3222,41 +3937,10 @@
           <a:bodyPr rtlCol="0" anchor="ctr"/>
           <a:lstStyle/>
           <a:p>
-            <a:r>
-              <a:rPr lang="ru-RU" b="1" dirty="0" smtClean="0">
-                <a:solidFill>
-                  <a:schemeClr val="tx1"/>
-                </a:solidFill>
-              </a:rPr>
-              <a:t>ЦЕЛЬ:</a:t>
-            </a:r>
-            <a:r>
-              <a:rPr lang="ru-RU" dirty="0" smtClean="0">
-                <a:solidFill>
-                  <a:schemeClr val="tx1"/>
-                </a:solidFill>
-              </a:rPr>
-              <a:t> </a:t>
-            </a:r>
-            <a:r>
-              <a:rPr lang="ru-RU" dirty="0" smtClean="0">
-                <a:solidFill>
-                  <a:schemeClr val="tx1"/>
-                </a:solidFill>
-              </a:rPr>
-              <a:t>Разработать базу данных для автоматизации процесса составления и ведения расписания занятий в учебном заведении</a:t>
-            </a:r>
-            <a:r>
-              <a:rPr lang="ru-RU" dirty="0" smtClean="0">
-                <a:solidFill>
-                  <a:schemeClr val="tx1"/>
-                </a:solidFill>
-              </a:rPr>
-              <a:t> </a:t>
-            </a:r>
+            <a:pPr algn="ctr"/>
             <a:endParaRPr lang="ru-RU" dirty="0">
               <a:solidFill>
-                <a:schemeClr val="tx1"/>
+                <a:srgbClr val="CC00FF"/>
               </a:solidFill>
             </a:endParaRPr>
           </a:p>
@@ -3264,27 +3948,24 @@
       </p:sp>
       <p:sp>
         <p:nvSpPr>
-          <p:cNvPr id="6" name="Скругленный прямоугольник 5"/>
+          <p:cNvPr id="13" name="Прямоугольник 12"/>
           <p:cNvSpPr/>
           <p:nvPr/>
         </p:nvSpPr>
         <p:spPr>
-          <a:xfrm>
-            <a:off x="779929" y="2788025"/>
-            <a:ext cx="5047130" cy="3908610"/>
-          </a:xfrm>
-          <a:prstGeom prst="roundRect">
+          <a:xfrm rot="2269930">
+            <a:off x="-2079353" y="2980264"/>
+            <a:ext cx="16421568" cy="1895475"/>
+          </a:xfrm>
+          <a:prstGeom prst="rect">
             <a:avLst/>
           </a:prstGeom>
-          <a:noFill/>
-          <a:ln w="76200">
-            <a:solidFill>
-              <a:schemeClr val="tx1">
-                <a:lumMod val="50000"/>
-                <a:lumOff val="50000"/>
-              </a:schemeClr>
-            </a:solidFill>
-          </a:ln>
+          <a:solidFill>
+            <a:schemeClr val="tx1">
+              <a:lumMod val="65000"/>
+              <a:lumOff val="35000"/>
+            </a:schemeClr>
+          </a:solidFill>
         </p:spPr>
         <p:style>
           <a:lnRef idx="2">
@@ -3306,27 +3987,173 @@
           <a:bodyPr rtlCol="0" anchor="ctr"/>
           <a:lstStyle/>
           <a:p>
+            <a:pPr algn="ctr"/>
+            <a:endParaRPr lang="ru-RU" dirty="0">
+              <a:solidFill>
+                <a:srgbClr val="CC00FF"/>
+              </a:solidFill>
+            </a:endParaRPr>
+          </a:p>
+        </p:txBody>
+      </p:sp>
+      <p:sp>
+        <p:nvSpPr>
+          <p:cNvPr id="4" name="TextBox 3"/>
+          <p:cNvSpPr txBox="1"/>
+          <p:nvPr/>
+        </p:nvSpPr>
+        <p:spPr>
+          <a:xfrm>
+            <a:off x="5829301" y="0"/>
+            <a:ext cx="6362699" cy="784830"/>
+          </a:xfrm>
+          <a:prstGeom prst="rect">
+            <a:avLst/>
+          </a:prstGeom>
+          <a:noFill/>
+        </p:spPr>
+        <p:txBody>
+          <a:bodyPr wrap="square" rtlCol="0" anchor="ctr">
+            <a:spAutoFit/>
+          </a:bodyPr>
+          <a:lstStyle/>
+          <a:p>
+            <a:pPr>
+              <a:lnSpc>
+                <a:spcPts val="5400"/>
+              </a:lnSpc>
+            </a:pPr>
+            <a:r>
+              <a:rPr lang="ru-RU" sz="2800" b="1" dirty="0" smtClean="0">
+                <a:ea typeface="Source Sans Pro Black" panose="020B0803030403020204" pitchFamily="34" charset="0"/>
+                <a:cs typeface="Spline Sans Bold" pitchFamily="34" charset="-120"/>
+              </a:rPr>
+              <a:t>Цель, Объект и Предмет исследования </a:t>
+            </a:r>
+            <a:endParaRPr lang="ru-RU" sz="2800" b="1" dirty="0">
+              <a:ea typeface="Source Sans Pro Black" panose="020B0803030403020204" pitchFamily="34" charset="0"/>
+              <a:cs typeface="Spline Sans Bold" pitchFamily="34" charset="-120"/>
+            </a:endParaRPr>
+          </a:p>
+        </p:txBody>
+      </p:sp>
+      <p:sp>
+        <p:nvSpPr>
+          <p:cNvPr id="6" name="Скругленный прямоугольник 5"/>
+          <p:cNvSpPr/>
+          <p:nvPr/>
+        </p:nvSpPr>
+        <p:spPr>
+          <a:xfrm>
+            <a:off x="666189" y="942415"/>
+            <a:ext cx="5047130" cy="1676400"/>
+          </a:xfrm>
+          <a:prstGeom prst="roundRect">
+            <a:avLst/>
+          </a:prstGeom>
+          <a:solidFill>
+            <a:schemeClr val="bg1"/>
+          </a:solidFill>
+          <a:ln w="76200">
+            <a:solidFill>
+              <a:srgbClr val="CC00FF"/>
+            </a:solidFill>
+          </a:ln>
+        </p:spPr>
+        <p:style>
+          <a:lnRef idx="2">
+            <a:schemeClr val="accent1">
+              <a:shade val="50000"/>
+            </a:schemeClr>
+          </a:lnRef>
+          <a:fillRef idx="1">
+            <a:schemeClr val="accent1"/>
+          </a:fillRef>
+          <a:effectRef idx="0">
+            <a:schemeClr val="accent1"/>
+          </a:effectRef>
+          <a:fontRef idx="minor">
+            <a:schemeClr val="lt1"/>
+          </a:fontRef>
+        </p:style>
+        <p:txBody>
+          <a:bodyPr rtlCol="0" anchor="ctr"/>
+          <a:lstStyle/>
+          <a:p>
             <a:r>
               <a:rPr lang="ru-RU" b="1" dirty="0" smtClean="0">
                 <a:solidFill>
                   <a:schemeClr val="tx1"/>
                 </a:solidFill>
               </a:rPr>
-              <a:t>ЗАДАЧИ:</a:t>
-            </a:r>
-          </a:p>
-          <a:p>
-            <a:pPr>
-              <a:buFont typeface="Arial" pitchFamily="34" charset="0"/>
-              <a:buChar char="•"/>
-            </a:pPr>
+              <a:t>ЦЕЛЬ:</a:t>
+            </a:r>
             <a:r>
               <a:rPr lang="ru-RU" dirty="0" smtClean="0">
                 <a:solidFill>
                   <a:schemeClr val="tx1"/>
                 </a:solidFill>
               </a:rPr>
-              <a:t>Провести </a:t>
+              <a:t> Разработать базу данных для автоматизации процесса составления и ведения расписания занятий в учебном заведении </a:t>
+            </a:r>
+            <a:endParaRPr lang="ru-RU" dirty="0">
+              <a:solidFill>
+                <a:schemeClr val="tx1"/>
+              </a:solidFill>
+            </a:endParaRPr>
+          </a:p>
+        </p:txBody>
+      </p:sp>
+      <p:sp>
+        <p:nvSpPr>
+          <p:cNvPr id="7" name="Скругленный прямоугольник 6"/>
+          <p:cNvSpPr/>
+          <p:nvPr/>
+        </p:nvSpPr>
+        <p:spPr>
+          <a:xfrm>
+            <a:off x="3218889" y="3056965"/>
+            <a:ext cx="5047130" cy="1676400"/>
+          </a:xfrm>
+          <a:prstGeom prst="roundRect">
+            <a:avLst/>
+          </a:prstGeom>
+          <a:solidFill>
+            <a:schemeClr val="bg1"/>
+          </a:solidFill>
+          <a:ln w="76200">
+            <a:solidFill>
+              <a:srgbClr val="CC00FF"/>
+            </a:solidFill>
+          </a:ln>
+        </p:spPr>
+        <p:style>
+          <a:lnRef idx="2">
+            <a:schemeClr val="accent1">
+              <a:shade val="50000"/>
+            </a:schemeClr>
+          </a:lnRef>
+          <a:fillRef idx="1">
+            <a:schemeClr val="accent1"/>
+          </a:fillRef>
+          <a:effectRef idx="0">
+            <a:schemeClr val="accent1"/>
+          </a:effectRef>
+          <a:fontRef idx="minor">
+            <a:schemeClr val="lt1"/>
+          </a:fontRef>
+        </p:style>
+        <p:txBody>
+          <a:bodyPr rtlCol="0" anchor="ctr"/>
+          <a:lstStyle/>
+          <a:p>
+            <a:r>
+              <a:rPr lang="ru-RU" b="1" dirty="0" smtClean="0">
+                <a:solidFill>
+                  <a:schemeClr val="tx1"/>
+                </a:solidFill>
+              </a:rPr>
+              <a:t>ОБЪЕКТ: </a:t>
             </a:r>
             <a:r>
               <a:rPr lang="ru-RU" dirty="0" smtClean="0">
@@ -3334,7 +4161,7 @@
                   <a:schemeClr val="tx1"/>
                 </a:solidFill>
               </a:rPr>
-              <a:t>анализ предметной </a:t>
+              <a:t>Учет данных об учебном процессе и распределении занятий в учебном </a:t>
             </a:r>
             <a:r>
               <a:rPr lang="ru-RU" dirty="0" smtClean="0">
@@ -3342,81 +4169,7 @@
                   <a:schemeClr val="tx1"/>
                 </a:solidFill>
               </a:rPr>
-              <a:t>области</a:t>
-            </a:r>
-          </a:p>
-          <a:p>
-            <a:pPr>
-              <a:buFont typeface="Arial" pitchFamily="34" charset="0"/>
-              <a:buChar char="•"/>
-            </a:pPr>
-            <a:r>
-              <a:rPr lang="ru-RU" dirty="0" smtClean="0">
-                <a:solidFill>
-                  <a:schemeClr val="tx1"/>
-                </a:solidFill>
-              </a:rPr>
-              <a:t>Выполнить </a:t>
-            </a:r>
-            <a:r>
-              <a:rPr lang="ru-RU" dirty="0" smtClean="0">
-                <a:solidFill>
-                  <a:schemeClr val="tx1"/>
-                </a:solidFill>
-              </a:rPr>
-              <a:t>концептуальное проектирование (ER-модель) </a:t>
-            </a:r>
-          </a:p>
-          <a:p>
-            <a:pPr>
-              <a:buFont typeface="Arial" pitchFamily="34" charset="0"/>
-              <a:buChar char="•"/>
-            </a:pPr>
-            <a:r>
-              <a:rPr lang="ru-RU" dirty="0" smtClean="0">
-                <a:solidFill>
-                  <a:schemeClr val="tx1"/>
-                </a:solidFill>
-              </a:rPr>
-              <a:t>Разработать логическую </a:t>
-            </a:r>
-            <a:r>
-              <a:rPr lang="ru-RU" dirty="0" smtClean="0">
-                <a:solidFill>
-                  <a:schemeClr val="tx1"/>
-                </a:solidFill>
-              </a:rPr>
-              <a:t>и физическую модели БД </a:t>
-            </a:r>
-          </a:p>
-          <a:p>
-            <a:pPr>
-              <a:buFont typeface="Arial" pitchFamily="34" charset="0"/>
-              <a:buChar char="•"/>
-            </a:pPr>
-            <a:r>
-              <a:rPr lang="ru-RU" dirty="0" smtClean="0">
-                <a:solidFill>
-                  <a:schemeClr val="tx1"/>
-                </a:solidFill>
-              </a:rPr>
-              <a:t>Реализовать </a:t>
-            </a:r>
-            <a:r>
-              <a:rPr lang="ru-RU" dirty="0" smtClean="0">
-                <a:solidFill>
-                  <a:schemeClr val="tx1"/>
-                </a:solidFill>
-              </a:rPr>
-              <a:t>базу данных в MS SQL </a:t>
-            </a:r>
-            <a:r>
-              <a:rPr lang="ru-RU" dirty="0" smtClean="0">
-                <a:solidFill>
-                  <a:schemeClr val="tx1"/>
-                </a:solidFill>
-              </a:rPr>
-              <a:t>Server</a:t>
+              <a:t>заведении</a:t>
             </a:r>
             <a:endParaRPr lang="ru-RU" dirty="0" smtClean="0">
               <a:solidFill>
@@ -3424,18 +4177,68 @@
               </a:solidFill>
             </a:endParaRPr>
           </a:p>
-          <a:p>
-            <a:pPr>
-              <a:buFont typeface="Arial" pitchFamily="34" charset="0"/>
-              <a:buChar char="•"/>
-            </a:pPr>
+        </p:txBody>
+      </p:sp>
+      <p:sp>
+        <p:nvSpPr>
+          <p:cNvPr id="8" name="Скругленный прямоугольник 7"/>
+          <p:cNvSpPr/>
+          <p:nvPr/>
+        </p:nvSpPr>
+        <p:spPr>
+          <a:xfrm>
+            <a:off x="5781114" y="5000065"/>
+            <a:ext cx="5047130" cy="1676400"/>
+          </a:xfrm>
+          <a:prstGeom prst="roundRect">
+            <a:avLst/>
+          </a:prstGeom>
+          <a:solidFill>
+            <a:schemeClr val="bg1"/>
+          </a:solidFill>
+          <a:ln w="76200">
+            <a:solidFill>
+              <a:srgbClr val="CC00FF"/>
+            </a:solidFill>
+          </a:ln>
+        </p:spPr>
+        <p:style>
+          <a:lnRef idx="2">
+            <a:schemeClr val="accent1">
+              <a:shade val="50000"/>
+            </a:schemeClr>
+          </a:lnRef>
+          <a:fillRef idx="1">
+            <a:schemeClr val="accent1"/>
+          </a:fillRef>
+          <a:effectRef idx="0">
+            <a:schemeClr val="accent1"/>
+          </a:effectRef>
+          <a:fontRef idx="minor">
+            <a:schemeClr val="lt1"/>
+          </a:fontRef>
+        </p:style>
+        <p:txBody>
+          <a:bodyPr rtlCol="0" anchor="ctr"/>
+          <a:lstStyle/>
+          <a:p>
+            <a:r>
+              <a:rPr lang="ru-RU" b="1" dirty="0" smtClean="0">
+                <a:solidFill>
+                  <a:schemeClr val="tx1"/>
+                </a:solidFill>
+              </a:rPr>
+              <a:t>ПРЕДМЕТ ИССЛЕДОВАНИЯ: </a:t>
+            </a:r>
+          </a:p>
+          <a:p>
             <a:r>
               <a:rPr lang="ru-RU" dirty="0" smtClean="0">
                 <a:solidFill>
                   <a:schemeClr val="tx1"/>
                 </a:solidFill>
               </a:rPr>
-              <a:t>Создать </a:t>
+              <a:t>Процесс </a:t>
             </a:r>
             <a:r>
               <a:rPr lang="ru-RU" dirty="0" smtClean="0">
@@ -3443,26 +4246,23 @@
                   <a:schemeClr val="tx1"/>
                 </a:solidFill>
               </a:rPr>
-              <a:t>пользовательский интерфейс на WPF</a:t>
-            </a:r>
-            <a:endParaRPr lang="ru-RU" dirty="0">
-              <a:solidFill>
-                <a:schemeClr val="tx1"/>
-              </a:solidFill>
-            </a:endParaRPr>
+              <a:t>проектирования и разработки базы данных, а также программных средств для управления, хранения и автоматизированного формирования расписания занятий.</a:t>
+            </a:r>
           </a:p>
         </p:txBody>
       </p:sp>
     </p:spTree>
-    <p:extLst>
-      <p:ext uri="{BB962C8B-B14F-4D97-AF65-F5344CB8AC3E}">
-        <p14:creationId xmlns:p14="http://schemas.microsoft.com/office/powerpoint/2010/main" xmlns="" val="1823954547"/>
-      </p:ext>
-    </p:extLst>
   </p:cSld>
   <p:clrMapOvr>
     <a:masterClrMapping/>
   </p:clrMapOvr>
+  <p:timing>
+    <p:tnLst>
+      <p:par>
+        <p:cTn id="1" dur="indefinite" restart="never" nodeType="tmRoot"/>
+      </p:par>
+    </p:tnLst>
+  </p:timing>
 </p:sld>
 </file>
 
@@ -3485,65 +4285,24 @@
       </p:grpSpPr>
       <p:sp>
         <p:nvSpPr>
-          <p:cNvPr id="4" name="TextBox 3"/>
-          <p:cNvSpPr txBox="1"/>
+          <p:cNvPr id="7" name="Прямоугольник 6"/>
+          <p:cNvSpPr/>
           <p:nvPr/>
         </p:nvSpPr>
         <p:spPr>
-          <a:xfrm>
-            <a:off x="0" y="0"/>
-            <a:ext cx="6965576" cy="523220"/>
+          <a:xfrm rot="9000000">
+            <a:off x="-2178928" y="2460984"/>
+            <a:ext cx="16421568" cy="2869153"/>
           </a:xfrm>
           <a:prstGeom prst="rect">
             <a:avLst/>
           </a:prstGeom>
-          <a:noFill/>
-        </p:spPr>
-        <p:txBody>
-          <a:bodyPr wrap="square" rtlCol="0" anchor="ctr">
-            <a:spAutoFit/>
-          </a:bodyPr>
-          <a:lstStyle/>
-          <a:p>
-            <a:pPr algn="ctr"/>
-            <a:r>
-              <a:rPr lang="ru-RU" sz="2800" b="1" dirty="0" smtClean="0">
-                <a:cs typeface="Times New Roman" pitchFamily="18" charset="0"/>
-              </a:rPr>
-              <a:t>Использованные технические </a:t>
-            </a:r>
-            <a:r>
-              <a:rPr lang="ru-RU" sz="2800" b="1" dirty="0" smtClean="0">
-                <a:cs typeface="Times New Roman" pitchFamily="18" charset="0"/>
-              </a:rPr>
-              <a:t>средства</a:t>
-            </a:r>
-            <a:endParaRPr lang="ru-RU" sz="2800" b="1" dirty="0">
-              <a:cs typeface="Times New Roman" pitchFamily="18" charset="0"/>
-            </a:endParaRPr>
-          </a:p>
-        </p:txBody>
-      </p:sp>
-      <p:sp>
-        <p:nvSpPr>
-          <p:cNvPr id="3" name="Скругленный прямоугольник 2"/>
-          <p:cNvSpPr/>
-          <p:nvPr/>
-        </p:nvSpPr>
-        <p:spPr>
-          <a:xfrm>
-            <a:off x="233083" y="546845"/>
-            <a:ext cx="5020236" cy="1497105"/>
-          </a:xfrm>
-          <a:prstGeom prst="roundRect">
-            <a:avLst/>
-          </a:prstGeom>
-          <a:noFill/>
-          <a:ln w="76200">
-            <a:solidFill>
-              <a:srgbClr val="FFC000"/>
-            </a:solidFill>
-          </a:ln>
+          <a:solidFill>
+            <a:schemeClr val="tx1">
+              <a:lumMod val="75000"/>
+              <a:lumOff val="25000"/>
+            </a:schemeClr>
+          </a:solidFill>
         </p:spPr>
         <p:style>
           <a:lnRef idx="2">
@@ -3566,190 +4325,34 @@
           <a:lstStyle/>
           <a:p>
             <a:pPr algn="ctr"/>
-            <a:r>
-              <a:rPr lang="ru-RU" b="1" dirty="0" smtClean="0">
-                <a:solidFill>
-                  <a:schemeClr val="tx1"/>
-                </a:solidFill>
-                <a:latin typeface="Times New Roman" pitchFamily="18" charset="0"/>
-                <a:cs typeface="Times New Roman" pitchFamily="18" charset="0"/>
-              </a:rPr>
-              <a:t>СУБД:</a:t>
-            </a:r>
-            <a:r>
-              <a:rPr lang="ru-RU" dirty="0" smtClean="0">
-                <a:solidFill>
-                  <a:schemeClr val="tx1"/>
-                </a:solidFill>
-                <a:latin typeface="Times New Roman" pitchFamily="18" charset="0"/>
-                <a:cs typeface="Times New Roman" pitchFamily="18" charset="0"/>
-              </a:rPr>
-              <a:t/>
-            </a:r>
-            <a:br>
-              <a:rPr lang="ru-RU" dirty="0" smtClean="0">
-                <a:solidFill>
-                  <a:schemeClr val="tx1"/>
-                </a:solidFill>
-                <a:latin typeface="Times New Roman" pitchFamily="18" charset="0"/>
-                <a:cs typeface="Times New Roman" pitchFamily="18" charset="0"/>
-              </a:rPr>
-            </a:br>
-            <a:r>
-              <a:rPr lang="en-US" dirty="0" smtClean="0">
-                <a:solidFill>
-                  <a:schemeClr val="tx1"/>
-                </a:solidFill>
-                <a:latin typeface="Times New Roman" pitchFamily="18" charset="0"/>
-                <a:cs typeface="Times New Roman" pitchFamily="18" charset="0"/>
-              </a:rPr>
-              <a:t>Microsoft</a:t>
-            </a:r>
-            <a:r>
-              <a:rPr lang="ru-RU" dirty="0" smtClean="0">
-                <a:solidFill>
-                  <a:schemeClr val="tx1"/>
-                </a:solidFill>
-                <a:latin typeface="Times New Roman" pitchFamily="18" charset="0"/>
-                <a:cs typeface="Times New Roman" pitchFamily="18" charset="0"/>
-              </a:rPr>
-              <a:t> </a:t>
-            </a:r>
-            <a:r>
-              <a:rPr lang="ru-RU" dirty="0" smtClean="0">
-                <a:solidFill>
-                  <a:schemeClr val="tx1"/>
-                </a:solidFill>
-                <a:latin typeface="Times New Roman" pitchFamily="18" charset="0"/>
-                <a:cs typeface="Times New Roman" pitchFamily="18" charset="0"/>
-              </a:rPr>
-              <a:t>SQL </a:t>
-            </a:r>
-            <a:r>
-              <a:rPr lang="en-US" dirty="0" smtClean="0">
-                <a:solidFill>
-                  <a:schemeClr val="tx1"/>
-                </a:solidFill>
-                <a:latin typeface="Times New Roman" pitchFamily="18" charset="0"/>
-                <a:cs typeface="Times New Roman" pitchFamily="18" charset="0"/>
-              </a:rPr>
-              <a:t>Server</a:t>
-            </a:r>
-            <a:r>
-              <a:rPr lang="ru-RU" dirty="0" smtClean="0">
-                <a:solidFill>
-                  <a:schemeClr val="tx1"/>
-                </a:solidFill>
-                <a:latin typeface="Times New Roman" pitchFamily="18" charset="0"/>
-                <a:cs typeface="Times New Roman" pitchFamily="18" charset="0"/>
-              </a:rPr>
-              <a:t/>
-            </a:r>
-            <a:br>
-              <a:rPr lang="ru-RU" dirty="0" smtClean="0">
-                <a:solidFill>
-                  <a:schemeClr val="tx1"/>
-                </a:solidFill>
-                <a:latin typeface="Times New Roman" pitchFamily="18" charset="0"/>
-                <a:cs typeface="Times New Roman" pitchFamily="18" charset="0"/>
-              </a:rPr>
-            </a:br>
-            <a:r>
-              <a:rPr lang="ru-RU" dirty="0" smtClean="0">
-                <a:solidFill>
-                  <a:schemeClr val="tx1"/>
-                </a:solidFill>
-                <a:latin typeface="Times New Roman" pitchFamily="18" charset="0"/>
-                <a:cs typeface="Times New Roman" pitchFamily="18" charset="0"/>
-              </a:rPr>
-              <a:t>(выбрана </a:t>
-            </a:r>
-            <a:r>
-              <a:rPr lang="ru-RU" dirty="0" smtClean="0">
-                <a:solidFill>
-                  <a:schemeClr val="tx1"/>
-                </a:solidFill>
-                <a:latin typeface="Times New Roman" pitchFamily="18" charset="0"/>
-                <a:cs typeface="Times New Roman" pitchFamily="18" charset="0"/>
-              </a:rPr>
-              <a:t>за надежность и интеграцию с .NET</a:t>
-            </a:r>
-            <a:r>
-              <a:rPr lang="ru-RU" dirty="0" smtClean="0">
-                <a:solidFill>
-                  <a:schemeClr val="tx1"/>
-                </a:solidFill>
-                <a:latin typeface="Times New Roman" pitchFamily="18" charset="0"/>
-                <a:cs typeface="Times New Roman" pitchFamily="18" charset="0"/>
-              </a:rPr>
-              <a:t>)</a:t>
-            </a:r>
-            <a:endParaRPr lang="en-US" dirty="0" smtClean="0">
-              <a:solidFill>
-                <a:schemeClr val="tx1"/>
-              </a:solidFill>
-              <a:latin typeface="Times New Roman" pitchFamily="18" charset="0"/>
-              <a:cs typeface="Times New Roman" pitchFamily="18" charset="0"/>
-            </a:endParaRPr>
-          </a:p>
-          <a:p>
-            <a:pPr algn="ctr"/>
             <a:endParaRPr lang="ru-RU" dirty="0">
               <a:solidFill>
-                <a:schemeClr val="tx1"/>
+                <a:srgbClr val="CC00FF"/>
               </a:solidFill>
-              <a:latin typeface="Times New Roman" pitchFamily="18" charset="0"/>
-              <a:cs typeface="Times New Roman" pitchFamily="18" charset="0"/>
             </a:endParaRPr>
           </a:p>
         </p:txBody>
       </p:sp>
-      <p:pic>
-        <p:nvPicPr>
-          <p:cNvPr id="1026" name="Picture 2" descr="C:\Users\Анатолий\Downloads\sqlserver-c0e2f1c3b95969de0089f8c4eb415859.png"/>
-          <p:cNvPicPr>
-            <a:picLocks noChangeAspect="1" noChangeArrowheads="1"/>
-          </p:cNvPicPr>
+      <p:sp>
+        <p:nvSpPr>
+          <p:cNvPr id="8" name="Прямоугольник 7"/>
+          <p:cNvSpPr/>
           <p:nvPr/>
-        </p:nvPicPr>
-        <p:blipFill>
-          <a:blip r:embed="rId2" cstate="print"/>
-          <a:srcRect/>
-          <a:stretch>
-            <a:fillRect/>
-          </a:stretch>
-        </p:blipFill>
-        <p:spPr bwMode="auto">
-          <a:xfrm>
-            <a:off x="645460" y="2195868"/>
-            <a:ext cx="4141693" cy="1044890"/>
+        </p:nvSpPr>
+        <p:spPr>
+          <a:xfrm rot="9000000">
+            <a:off x="-2130152" y="2865964"/>
+            <a:ext cx="16421568" cy="1895475"/>
           </a:xfrm>
           <a:prstGeom prst="rect">
             <a:avLst/>
           </a:prstGeom>
-          <a:noFill/>
-        </p:spPr>
-      </p:pic>
-      <p:sp>
-        <p:nvSpPr>
-          <p:cNvPr id="5" name="Скругленный прямоугольник 4"/>
-          <p:cNvSpPr/>
-          <p:nvPr/>
-        </p:nvSpPr>
-        <p:spPr>
-          <a:xfrm>
-            <a:off x="5970495" y="519951"/>
-            <a:ext cx="5020236" cy="1497105"/>
-          </a:xfrm>
-          <a:prstGeom prst="roundRect">
-            <a:avLst/>
-          </a:prstGeom>
-          <a:noFill/>
-          <a:ln w="76200">
-            <a:solidFill>
-              <a:srgbClr val="CC00FF"/>
-            </a:solidFill>
-          </a:ln>
+          <a:solidFill>
+            <a:schemeClr val="tx1">
+              <a:lumMod val="65000"/>
+              <a:lumOff val="35000"/>
+            </a:schemeClr>
+          </a:solidFill>
         </p:spPr>
         <p:style>
           <a:lnRef idx="2">
@@ -3772,151 +4375,71 @@
           <a:lstStyle/>
           <a:p>
             <a:pPr algn="ctr"/>
-            <a:r>
-              <a:rPr lang="ru-RU" b="1" dirty="0" smtClean="0">
-                <a:solidFill>
-                  <a:schemeClr val="tx1"/>
-                </a:solidFill>
-                <a:latin typeface="Times New Roman" pitchFamily="18" charset="0"/>
-                <a:cs typeface="Times New Roman" pitchFamily="18" charset="0"/>
-              </a:rPr>
-              <a:t>СРЕДА РАЗРАБОТКИ:</a:t>
-            </a:r>
-            <a:r>
-              <a:rPr lang="ru-RU" dirty="0" smtClean="0">
-                <a:solidFill>
-                  <a:schemeClr val="tx1"/>
-                </a:solidFill>
-                <a:latin typeface="Times New Roman" pitchFamily="18" charset="0"/>
-                <a:cs typeface="Times New Roman" pitchFamily="18" charset="0"/>
-              </a:rPr>
-              <a:t/>
-            </a:r>
-            <a:br>
-              <a:rPr lang="ru-RU" dirty="0" smtClean="0">
-                <a:solidFill>
-                  <a:schemeClr val="tx1"/>
-                </a:solidFill>
-                <a:latin typeface="Times New Roman" pitchFamily="18" charset="0"/>
-                <a:cs typeface="Times New Roman" pitchFamily="18" charset="0"/>
-              </a:rPr>
-            </a:br>
-            <a:r>
-              <a:rPr lang="en-US" dirty="0" smtClean="0">
-                <a:solidFill>
-                  <a:schemeClr val="tx1"/>
-                </a:solidFill>
-                <a:latin typeface="Times New Roman" pitchFamily="18" charset="0"/>
-                <a:cs typeface="Times New Roman" pitchFamily="18" charset="0"/>
-              </a:rPr>
-              <a:t>VISUAL STUDIO 2026,</a:t>
-            </a:r>
-          </a:p>
-          <a:p>
-            <a:pPr algn="ctr"/>
-            <a:r>
-              <a:rPr lang="ru-RU" dirty="0" smtClean="0">
-                <a:solidFill>
-                  <a:schemeClr val="tx1"/>
-                </a:solidFill>
-                <a:latin typeface="Times New Roman" pitchFamily="18" charset="0"/>
-                <a:cs typeface="Times New Roman" pitchFamily="18" charset="0"/>
-              </a:rPr>
-              <a:t>Язык программирования </a:t>
-            </a:r>
-            <a:r>
-              <a:rPr lang="en-US" dirty="0" smtClean="0">
-                <a:solidFill>
-                  <a:schemeClr val="tx1"/>
-                </a:solidFill>
-                <a:latin typeface="Times New Roman" pitchFamily="18" charset="0"/>
-                <a:cs typeface="Times New Roman" pitchFamily="18" charset="0"/>
-              </a:rPr>
-              <a:t>C#</a:t>
-            </a:r>
-          </a:p>
-          <a:p>
-            <a:pPr algn="ctr"/>
             <a:endParaRPr lang="ru-RU" dirty="0">
               <a:solidFill>
-                <a:schemeClr val="tx1"/>
+                <a:srgbClr val="CC00FF"/>
               </a:solidFill>
-              <a:latin typeface="Times New Roman" pitchFamily="18" charset="0"/>
-              <a:cs typeface="Times New Roman" pitchFamily="18" charset="0"/>
             </a:endParaRPr>
           </a:p>
         </p:txBody>
       </p:sp>
-      <p:pic>
-        <p:nvPicPr>
-          <p:cNvPr id="1027" name="Picture 3" descr="C:\Users\Анатолий\Downloads\Logo_C_sharp.svg.png"/>
-          <p:cNvPicPr>
-            <a:picLocks noChangeAspect="1" noChangeArrowheads="1"/>
-          </p:cNvPicPr>
+      <p:sp>
+        <p:nvSpPr>
+          <p:cNvPr id="4" name="TextBox 3"/>
+          <p:cNvSpPr txBox="1"/>
           <p:nvPr/>
-        </p:nvPicPr>
-        <p:blipFill>
-          <a:blip r:embed="rId3" cstate="print"/>
-          <a:srcRect/>
-          <a:stretch>
-            <a:fillRect/>
-          </a:stretch>
-        </p:blipFill>
-        <p:spPr bwMode="auto">
-          <a:xfrm>
-            <a:off x="8992345" y="2106705"/>
-            <a:ext cx="1155701" cy="1300482"/>
+        </p:nvSpPr>
+        <p:spPr>
+          <a:xfrm>
+            <a:off x="0" y="0"/>
+            <a:ext cx="6024282" cy="523220"/>
           </a:xfrm>
           <a:prstGeom prst="rect">
             <a:avLst/>
           </a:prstGeom>
           <a:noFill/>
         </p:spPr>
-      </p:pic>
-      <p:pic>
-        <p:nvPicPr>
-          <p:cNvPr id="1028" name="Picture 4" descr="C:\Users\Анатолий\Downloads\Visual_Studio_Icon_2026.svg.png"/>
-          <p:cNvPicPr>
-            <a:picLocks noChangeAspect="1" noChangeArrowheads="1"/>
-          </p:cNvPicPr>
-          <p:nvPr/>
-        </p:nvPicPr>
-        <p:blipFill>
-          <a:blip r:embed="rId4" cstate="print"/>
-          <a:srcRect/>
-          <a:stretch>
-            <a:fillRect/>
-          </a:stretch>
-        </p:blipFill>
-        <p:spPr bwMode="auto">
-          <a:xfrm>
-            <a:off x="6925236" y="2079812"/>
-            <a:ext cx="1290918" cy="1290918"/>
-          </a:xfrm>
-          <a:prstGeom prst="rect">
-            <a:avLst/>
-          </a:prstGeom>
-          <a:noFill/>
-        </p:spPr>
-      </p:pic>
-      <p:sp>
-        <p:nvSpPr>
-          <p:cNvPr id="8" name="Скругленный прямоугольник 7"/>
+        <p:txBody>
+          <a:bodyPr wrap="square" rtlCol="0" anchor="ctr">
+            <a:spAutoFit/>
+          </a:bodyPr>
+          <a:lstStyle/>
+          <a:p>
+            <a:r>
+              <a:rPr lang="ru-RU" sz="2800" b="1" dirty="0" smtClean="0"/>
+              <a:t>Задачи проекта</a:t>
+            </a:r>
+            <a:r>
+              <a:rPr lang="ru-RU" sz="2800" b="1" dirty="0" smtClean="0"/>
+              <a:t>:</a:t>
+            </a:r>
+            <a:endParaRPr lang="ru-RU" sz="2800" b="1" dirty="0"/>
+          </a:p>
+        </p:txBody>
+      </p:sp>
+      <p:sp>
+        <p:nvSpPr>
+          <p:cNvPr id="6" name="Скругленный прямоугольник 5"/>
           <p:cNvSpPr/>
           <p:nvPr/>
         </p:nvSpPr>
         <p:spPr>
           <a:xfrm>
-            <a:off x="3200401" y="3550022"/>
-            <a:ext cx="5020236" cy="1497105"/>
+            <a:off x="3246904" y="1994274"/>
+            <a:ext cx="5258921" cy="3869951"/>
           </a:xfrm>
           <a:prstGeom prst="roundRect">
             <a:avLst/>
           </a:prstGeom>
-          <a:noFill/>
+          <a:solidFill>
+            <a:schemeClr val="bg1"/>
+          </a:solidFill>
           <a:ln w="76200">
             <a:solidFill>
-              <a:schemeClr val="accent1"/>
+              <a:schemeClr val="tx1">
+                <a:lumMod val="50000"/>
+                <a:lumOff val="50000"/>
+              </a:schemeClr>
             </a:solidFill>
           </a:ln>
         </p:spPr>
@@ -3940,168 +4463,172 @@
           <a:bodyPr rtlCol="0" anchor="ctr"/>
           <a:lstStyle/>
           <a:p>
-            <a:pPr algn="ctr"/>
-            <a:r>
-              <a:rPr lang="ru-RU" b="1" dirty="0" smtClean="0">
+            <a:pPr>
+              <a:buFont typeface="Wingdings" pitchFamily="2" charset="2"/>
+              <a:buChar char="Ø"/>
+            </a:pPr>
+            <a:r>
+              <a:rPr lang="ru-RU" dirty="0" smtClean="0">
                 <a:solidFill>
                   <a:schemeClr val="tx1"/>
                 </a:solidFill>
-                <a:latin typeface="Times New Roman" pitchFamily="18" charset="0"/>
-                <a:cs typeface="Times New Roman" pitchFamily="18" charset="0"/>
-              </a:rPr>
-              <a:t>ТЕХНОЛОГИИ:</a:t>
+              </a:rPr>
+              <a:t>Провести </a:t>
             </a:r>
             <a:r>
               <a:rPr lang="ru-RU" dirty="0" smtClean="0">
                 <a:solidFill>
                   <a:schemeClr val="tx1"/>
                 </a:solidFill>
-                <a:latin typeface="Times New Roman" pitchFamily="18" charset="0"/>
-                <a:cs typeface="Times New Roman" pitchFamily="18" charset="0"/>
-              </a:rPr>
-              <a:t/>
-            </a:r>
-            <a:br>
+              </a:rPr>
+              <a:t>анализ предметной </a:t>
+            </a:r>
+            <a:r>
               <a:rPr lang="ru-RU" dirty="0" smtClean="0">
                 <a:solidFill>
                   <a:schemeClr val="tx1"/>
                 </a:solidFill>
-                <a:latin typeface="Times New Roman" pitchFamily="18" charset="0"/>
-                <a:cs typeface="Times New Roman" pitchFamily="18" charset="0"/>
-              </a:rPr>
-            </a:br>
-            <a:r>
-              <a:rPr lang="ru-RU" dirty="0" smtClean="0">
-                <a:solidFill>
-                  <a:schemeClr val="tx1"/>
-                </a:solidFill>
-                <a:latin typeface="Times New Roman" pitchFamily="18" charset="0"/>
-                <a:cs typeface="Times New Roman" pitchFamily="18" charset="0"/>
-              </a:rPr>
-              <a:t> платформа .</a:t>
-            </a:r>
-            <a:r>
-              <a:rPr lang="en-US" dirty="0" smtClean="0">
-                <a:solidFill>
-                  <a:schemeClr val="tx1"/>
-                </a:solidFill>
-                <a:latin typeface="Times New Roman" pitchFamily="18" charset="0"/>
-                <a:cs typeface="Times New Roman" pitchFamily="18" charset="0"/>
-              </a:rPr>
-              <a:t>NET Framework, </a:t>
-            </a:r>
+              </a:rPr>
+              <a:t>области</a:t>
+            </a:r>
+          </a:p>
+          <a:p>
             <a:endParaRPr lang="ru-RU" dirty="0" smtClean="0">
               <a:solidFill>
                 <a:schemeClr val="tx1"/>
               </a:solidFill>
-              <a:latin typeface="Times New Roman" pitchFamily="18" charset="0"/>
-              <a:cs typeface="Times New Roman" pitchFamily="18" charset="0"/>
             </a:endParaRPr>
           </a:p>
           <a:p>
-            <a:pPr algn="ctr"/>
-            <a:r>
-              <a:rPr lang="en-US" dirty="0" smtClean="0">
+            <a:pPr>
+              <a:buFont typeface="Wingdings" pitchFamily="2" charset="2"/>
+              <a:buChar char="Ø"/>
+            </a:pPr>
+            <a:r>
+              <a:rPr lang="ru-RU" dirty="0" smtClean="0">
                 <a:solidFill>
                   <a:schemeClr val="tx1"/>
                 </a:solidFill>
-                <a:latin typeface="Times New Roman" pitchFamily="18" charset="0"/>
-                <a:cs typeface="Times New Roman" pitchFamily="18" charset="0"/>
-              </a:rPr>
-              <a:t>SQL </a:t>
-            </a:r>
-            <a:r>
-              <a:rPr lang="en-US" dirty="0" smtClean="0">
+              </a:rPr>
+              <a:t>Выполнить концептуальное проектирование (ER-модель</a:t>
+            </a:r>
+            <a:r>
+              <a:rPr lang="ru-RU" dirty="0" smtClean="0">
                 <a:solidFill>
                   <a:schemeClr val="tx1"/>
                 </a:solidFill>
-                <a:latin typeface="Times New Roman" pitchFamily="18" charset="0"/>
-                <a:cs typeface="Times New Roman" pitchFamily="18" charset="0"/>
-              </a:rPr>
-              <a:t>Server Management Studio </a:t>
-            </a:r>
+              </a:rPr>
+              <a:t>)</a:t>
+            </a:r>
+          </a:p>
+          <a:p>
             <a:r>
               <a:rPr lang="ru-RU" dirty="0" smtClean="0">
                 <a:solidFill>
                   <a:schemeClr val="tx1"/>
                 </a:solidFill>
-                <a:latin typeface="Times New Roman" pitchFamily="18" charset="0"/>
-                <a:cs typeface="Times New Roman" pitchFamily="18" charset="0"/>
-              </a:rPr>
-              <a:t>для администрирования БД</a:t>
+              </a:rPr>
+              <a:t> </a:t>
+            </a:r>
+            <a:endParaRPr lang="ru-RU" dirty="0" smtClean="0">
+              <a:solidFill>
+                <a:schemeClr val="tx1"/>
+              </a:solidFill>
+            </a:endParaRPr>
+          </a:p>
+          <a:p>
+            <a:pPr>
+              <a:buFont typeface="Wingdings" pitchFamily="2" charset="2"/>
+              <a:buChar char="Ø"/>
+            </a:pPr>
+            <a:r>
+              <a:rPr lang="ru-RU" dirty="0" smtClean="0">
+                <a:solidFill>
+                  <a:schemeClr val="tx1"/>
+                </a:solidFill>
+              </a:rPr>
+              <a:t>Разработать логическую и физическую модели БД </a:t>
+            </a:r>
+            <a:endParaRPr lang="ru-RU" dirty="0" smtClean="0">
+              <a:solidFill>
+                <a:schemeClr val="tx1"/>
+              </a:solidFill>
+            </a:endParaRPr>
+          </a:p>
+          <a:p>
+            <a:endParaRPr lang="ru-RU" dirty="0" smtClean="0">
+              <a:solidFill>
+                <a:schemeClr val="tx1"/>
+              </a:solidFill>
+            </a:endParaRPr>
+          </a:p>
+          <a:p>
+            <a:pPr>
+              <a:buFont typeface="Wingdings" pitchFamily="2" charset="2"/>
+              <a:buChar char="Ø"/>
+            </a:pPr>
+            <a:r>
+              <a:rPr lang="ru-RU" dirty="0" smtClean="0">
+                <a:solidFill>
+                  <a:schemeClr val="tx1"/>
+                </a:solidFill>
+              </a:rPr>
+              <a:t>Реализовать базу данных в MS SQL </a:t>
+            </a:r>
+            <a:r>
+              <a:rPr lang="ru-RU" dirty="0" smtClean="0">
+                <a:solidFill>
+                  <a:schemeClr val="tx1"/>
+                </a:solidFill>
+              </a:rPr>
+              <a:t>Server</a:t>
+            </a:r>
+          </a:p>
+          <a:p>
+            <a:endParaRPr lang="ru-RU" dirty="0" smtClean="0">
+              <a:solidFill>
+                <a:schemeClr val="tx1"/>
+              </a:solidFill>
+            </a:endParaRPr>
+          </a:p>
+          <a:p>
+            <a:pPr>
+              <a:buFont typeface="Wingdings" pitchFamily="2" charset="2"/>
+              <a:buChar char="Ø"/>
+            </a:pPr>
+            <a:r>
+              <a:rPr lang="ru-RU" dirty="0" smtClean="0">
+                <a:solidFill>
+                  <a:schemeClr val="tx1"/>
+                </a:solidFill>
+              </a:rPr>
+              <a:t>Создать пользовательский интерфейс на WPF</a:t>
             </a:r>
             <a:endParaRPr lang="ru-RU" dirty="0">
               <a:solidFill>
                 <a:schemeClr val="tx1"/>
               </a:solidFill>
-              <a:latin typeface="Times New Roman" pitchFamily="18" charset="0"/>
-              <a:cs typeface="Times New Roman" pitchFamily="18" charset="0"/>
             </a:endParaRPr>
           </a:p>
         </p:txBody>
       </p:sp>
-      <p:pic>
-        <p:nvPicPr>
-          <p:cNvPr id="1029" name="Picture 5" descr="C:\Users\Анатолий\Downloads\Microsoft_.NET_logo.svg.png"/>
-          <p:cNvPicPr>
-            <a:picLocks noChangeAspect="1" noChangeArrowheads="1"/>
-          </p:cNvPicPr>
-          <p:nvPr/>
-        </p:nvPicPr>
-        <p:blipFill>
-          <a:blip r:embed="rId5" cstate="print"/>
-          <a:srcRect/>
-          <a:stretch>
-            <a:fillRect/>
-          </a:stretch>
-        </p:blipFill>
-        <p:spPr bwMode="auto">
-          <a:xfrm>
-            <a:off x="3850342" y="5190565"/>
-            <a:ext cx="1532964" cy="1532964"/>
-          </a:xfrm>
-          <a:prstGeom prst="rect">
-            <a:avLst/>
-          </a:prstGeom>
-          <a:noFill/>
-        </p:spPr>
-      </p:pic>
-      <p:pic>
-        <p:nvPicPr>
-          <p:cNvPr id="1030" name="Picture 6" descr="C:\Users\Анатолий\Downloads\SSMSv21Logo.png"/>
-          <p:cNvPicPr>
-            <a:picLocks noChangeAspect="1" noChangeArrowheads="1"/>
-          </p:cNvPicPr>
-          <p:nvPr/>
-        </p:nvPicPr>
-        <p:blipFill>
-          <a:blip r:embed="rId6" cstate="print"/>
-          <a:srcRect/>
-          <a:stretch>
-            <a:fillRect/>
-          </a:stretch>
-        </p:blipFill>
-        <p:spPr bwMode="auto">
-          <a:xfrm>
-            <a:off x="5849471" y="5163671"/>
-            <a:ext cx="1568823" cy="1568823"/>
-          </a:xfrm>
-          <a:prstGeom prst="rect">
-            <a:avLst/>
-          </a:prstGeom>
-          <a:noFill/>
-        </p:spPr>
-      </p:pic>
     </p:spTree>
     <p:extLst>
       <p:ext uri="{BB962C8B-B14F-4D97-AF65-F5344CB8AC3E}">
-        <p14:creationId xmlns:p14="http://schemas.microsoft.com/office/powerpoint/2010/main" xmlns="" val="2892875174"/>
+        <p14:creationId xmlns="" xmlns:p14="http://schemas.microsoft.com/office/powerpoint/2010/main" val="1823954547"/>
       </p:ext>
     </p:extLst>
   </p:cSld>
   <p:clrMapOvr>
     <a:masterClrMapping/>
   </p:clrMapOvr>
+  <p:timing>
+    <p:tnLst>
+      <p:par>
+        <p:cTn id="1" dur="indefinite" restart="never" nodeType="tmRoot"/>
+      </p:par>
+    </p:tnLst>
+  </p:timing>
 </p:sld>
 </file>
 
@@ -4122,6 +4649,129 @@
           <a:chExt cx="0" cy="0"/>
         </a:xfrm>
       </p:grpSpPr>
+      <p:cxnSp>
+        <p:nvCxnSpPr>
+          <p:cNvPr id="33" name="Shape 32"/>
+          <p:cNvCxnSpPr>
+            <a:stCxn id="8" idx="1"/>
+            <a:endCxn id="11" idx="0"/>
+          </p:cNvCxnSpPr>
+          <p:nvPr/>
+        </p:nvCxnSpPr>
+        <p:spPr>
+          <a:xfrm rot="10800000" flipV="1">
+            <a:off x="2322109" y="4298575"/>
+            <a:ext cx="878293" cy="1338234"/>
+          </a:xfrm>
+          <a:prstGeom prst="curvedConnector5">
+            <a:avLst>
+              <a:gd name="adj1" fmla="val 18437"/>
+              <a:gd name="adj2" fmla="val 3173"/>
+              <a:gd name="adj3" fmla="val 73972"/>
+            </a:avLst>
+          </a:prstGeom>
+          <a:ln w="57150">
+            <a:solidFill>
+              <a:schemeClr val="tx1"/>
+            </a:solidFill>
+          </a:ln>
+        </p:spPr>
+        <p:style>
+          <a:lnRef idx="1">
+            <a:schemeClr val="accent1"/>
+          </a:lnRef>
+          <a:fillRef idx="0">
+            <a:schemeClr val="accent1"/>
+          </a:fillRef>
+          <a:effectRef idx="0">
+            <a:schemeClr val="accent1"/>
+          </a:effectRef>
+          <a:fontRef idx="minor">
+            <a:schemeClr val="tx1"/>
+          </a:fontRef>
+        </p:style>
+      </p:cxnSp>
+      <p:cxnSp>
+        <p:nvCxnSpPr>
+          <p:cNvPr id="24" name="Shape 23"/>
+          <p:cNvCxnSpPr>
+            <a:stCxn id="5" idx="3"/>
+            <a:endCxn id="11" idx="0"/>
+          </p:cNvCxnSpPr>
+          <p:nvPr/>
+        </p:nvCxnSpPr>
+        <p:spPr>
+          <a:xfrm flipH="1">
+            <a:off x="2322108" y="1268504"/>
+            <a:ext cx="8668623" cy="4368305"/>
+          </a:xfrm>
+          <a:prstGeom prst="curvedConnector3">
+            <a:avLst>
+              <a:gd name="adj1" fmla="val -2637"/>
+            </a:avLst>
+          </a:prstGeom>
+          <a:ln w="57150">
+            <a:solidFill>
+              <a:schemeClr val="tx1"/>
+            </a:solidFill>
+          </a:ln>
+        </p:spPr>
+        <p:style>
+          <a:lnRef idx="1">
+            <a:schemeClr val="accent1"/>
+          </a:lnRef>
+          <a:fillRef idx="0">
+            <a:schemeClr val="accent1"/>
+          </a:fillRef>
+          <a:effectRef idx="0">
+            <a:schemeClr val="accent1"/>
+          </a:effectRef>
+          <a:fontRef idx="minor">
+            <a:schemeClr val="tx1"/>
+          </a:fontRef>
+        </p:style>
+      </p:cxnSp>
+      <p:cxnSp>
+        <p:nvCxnSpPr>
+          <p:cNvPr id="14" name="Shape 13"/>
+          <p:cNvCxnSpPr>
+            <a:stCxn id="3" idx="2"/>
+            <a:endCxn id="11" idx="0"/>
+          </p:cNvCxnSpPr>
+          <p:nvPr/>
+        </p:nvCxnSpPr>
+        <p:spPr>
+          <a:xfrm rot="5400000">
+            <a:off x="736226" y="3629833"/>
+            <a:ext cx="3592859" cy="421093"/>
+          </a:xfrm>
+          <a:prstGeom prst="curvedConnector4">
+            <a:avLst>
+              <a:gd name="adj1" fmla="val 3053"/>
+              <a:gd name="adj2" fmla="val 361982"/>
+            </a:avLst>
+          </a:prstGeom>
+          <a:ln w="57150">
+            <a:solidFill>
+              <a:schemeClr val="tx1"/>
+            </a:solidFill>
+          </a:ln>
+        </p:spPr>
+        <p:style>
+          <a:lnRef idx="1">
+            <a:schemeClr val="accent1"/>
+          </a:lnRef>
+          <a:fillRef idx="0">
+            <a:schemeClr val="accent1"/>
+          </a:fillRef>
+          <a:effectRef idx="0">
+            <a:schemeClr val="accent1"/>
+          </a:effectRef>
+          <a:fontRef idx="minor">
+            <a:schemeClr val="tx1"/>
+          </a:fontRef>
+        </p:style>
+      </p:cxnSp>
       <p:sp>
         <p:nvSpPr>
           <p:cNvPr id="4" name="TextBox 3"/>
@@ -4131,7 +4781,7 @@
         <p:spPr>
           <a:xfrm>
             <a:off x="0" y="0"/>
-            <a:ext cx="6891250" cy="523220"/>
+            <a:ext cx="6965576" cy="523220"/>
           </a:xfrm>
           <a:prstGeom prst="rect">
             <a:avLst/>
@@ -4139,26 +4789,185 @@
           <a:noFill/>
         </p:spPr>
         <p:txBody>
-          <a:bodyPr wrap="square" rtlCol="0">
+          <a:bodyPr wrap="square" rtlCol="0" anchor="ctr">
             <a:spAutoFit/>
           </a:bodyPr>
           <a:lstStyle/>
           <a:p>
-            <a:r>
-              <a:rPr lang="ru-RU" sz="2800" b="1" dirty="0" smtClean="0"/>
-              <a:t>Физическая </a:t>
-            </a:r>
-            <a:r>
-              <a:rPr lang="ru-RU" sz="2800" b="1" dirty="0" smtClean="0"/>
-              <a:t>схема данных</a:t>
-            </a:r>
-            <a:endParaRPr lang="ru-RU" sz="2800" b="1" dirty="0"/>
+            <a:pPr algn="ctr"/>
+            <a:r>
+              <a:rPr lang="ru-RU" sz="2800" b="1" dirty="0" smtClean="0">
+                <a:cs typeface="Times New Roman" pitchFamily="18" charset="0"/>
+              </a:rPr>
+              <a:t>Использованные технические </a:t>
+            </a:r>
+            <a:r>
+              <a:rPr lang="ru-RU" sz="2800" b="1" dirty="0" smtClean="0">
+                <a:cs typeface="Times New Roman" pitchFamily="18" charset="0"/>
+              </a:rPr>
+              <a:t>средства:</a:t>
+            </a:r>
+            <a:endParaRPr lang="ru-RU" sz="2800" b="1" dirty="0">
+              <a:cs typeface="Times New Roman" pitchFamily="18" charset="0"/>
+            </a:endParaRPr>
+          </a:p>
+        </p:txBody>
+      </p:sp>
+      <p:sp>
+        <p:nvSpPr>
+          <p:cNvPr id="3" name="Скругленный прямоугольник 2"/>
+          <p:cNvSpPr/>
+          <p:nvPr/>
+        </p:nvSpPr>
+        <p:spPr>
+          <a:xfrm>
+            <a:off x="233083" y="546845"/>
+            <a:ext cx="5020236" cy="1497105"/>
+          </a:xfrm>
+          <a:prstGeom prst="roundRect">
+            <a:avLst/>
+          </a:prstGeom>
+          <a:solidFill>
+            <a:schemeClr val="bg1"/>
+          </a:solidFill>
+          <a:ln w="76200">
+            <a:solidFill>
+              <a:srgbClr val="FFC000"/>
+            </a:solidFill>
+          </a:ln>
+        </p:spPr>
+        <p:style>
+          <a:lnRef idx="2">
+            <a:schemeClr val="accent1">
+              <a:shade val="50000"/>
+            </a:schemeClr>
+          </a:lnRef>
+          <a:fillRef idx="1">
+            <a:schemeClr val="accent1"/>
+          </a:fillRef>
+          <a:effectRef idx="0">
+            <a:schemeClr val="accent1"/>
+          </a:effectRef>
+          <a:fontRef idx="minor">
+            <a:schemeClr val="lt1"/>
+          </a:fontRef>
+        </p:style>
+        <p:txBody>
+          <a:bodyPr rtlCol="0" anchor="ctr"/>
+          <a:lstStyle/>
+          <a:p>
+            <a:pPr algn="ctr"/>
+            <a:r>
+              <a:rPr lang="ru-RU" b="1" dirty="0" smtClean="0">
+                <a:solidFill>
+                  <a:schemeClr val="tx1"/>
+                </a:solidFill>
+                <a:latin typeface="Times New Roman" pitchFamily="18" charset="0"/>
+                <a:cs typeface="Times New Roman" pitchFamily="18" charset="0"/>
+              </a:rPr>
+              <a:t>СУБД:</a:t>
+            </a:r>
+            <a:r>
+              <a:rPr lang="ru-RU" dirty="0" smtClean="0">
+                <a:solidFill>
+                  <a:schemeClr val="tx1"/>
+                </a:solidFill>
+                <a:latin typeface="Times New Roman" pitchFamily="18" charset="0"/>
+                <a:cs typeface="Times New Roman" pitchFamily="18" charset="0"/>
+              </a:rPr>
+              <a:t/>
+            </a:r>
+            <a:br>
+              <a:rPr lang="ru-RU" dirty="0" smtClean="0">
+                <a:solidFill>
+                  <a:schemeClr val="tx1"/>
+                </a:solidFill>
+                <a:latin typeface="Times New Roman" pitchFamily="18" charset="0"/>
+                <a:cs typeface="Times New Roman" pitchFamily="18" charset="0"/>
+              </a:rPr>
+            </a:br>
+            <a:r>
+              <a:rPr lang="en-US" dirty="0" smtClean="0">
+                <a:solidFill>
+                  <a:schemeClr val="tx1"/>
+                </a:solidFill>
+                <a:latin typeface="Times New Roman" pitchFamily="18" charset="0"/>
+                <a:cs typeface="Times New Roman" pitchFamily="18" charset="0"/>
+              </a:rPr>
+              <a:t>Microsoft</a:t>
+            </a:r>
+            <a:r>
+              <a:rPr lang="ru-RU" dirty="0" smtClean="0">
+                <a:solidFill>
+                  <a:schemeClr val="tx1"/>
+                </a:solidFill>
+                <a:latin typeface="Times New Roman" pitchFamily="18" charset="0"/>
+                <a:cs typeface="Times New Roman" pitchFamily="18" charset="0"/>
+              </a:rPr>
+              <a:t> SQL </a:t>
+            </a:r>
+            <a:r>
+              <a:rPr lang="en-US" dirty="0" smtClean="0">
+                <a:solidFill>
+                  <a:schemeClr val="tx1"/>
+                </a:solidFill>
+                <a:latin typeface="Times New Roman" pitchFamily="18" charset="0"/>
+                <a:cs typeface="Times New Roman" pitchFamily="18" charset="0"/>
+              </a:rPr>
+              <a:t>Server</a:t>
+            </a:r>
+            <a:r>
+              <a:rPr lang="ru-RU" dirty="0" smtClean="0">
+                <a:solidFill>
+                  <a:schemeClr val="tx1"/>
+                </a:solidFill>
+                <a:latin typeface="Times New Roman" pitchFamily="18" charset="0"/>
+                <a:cs typeface="Times New Roman" pitchFamily="18" charset="0"/>
+              </a:rPr>
+              <a:t/>
+            </a:r>
+            <a:br>
+              <a:rPr lang="ru-RU" dirty="0" smtClean="0">
+                <a:solidFill>
+                  <a:schemeClr val="tx1"/>
+                </a:solidFill>
+                <a:latin typeface="Times New Roman" pitchFamily="18" charset="0"/>
+                <a:cs typeface="Times New Roman" pitchFamily="18" charset="0"/>
+              </a:rPr>
+            </a:br>
+            <a:r>
+              <a:rPr lang="ru-RU" dirty="0" smtClean="0">
+                <a:solidFill>
+                  <a:schemeClr val="tx1"/>
+                </a:solidFill>
+                <a:latin typeface="Times New Roman" pitchFamily="18" charset="0"/>
+                <a:cs typeface="Times New Roman" pitchFamily="18" charset="0"/>
+              </a:rPr>
+              <a:t>(выбрана за надежность и интеграцию с .NET)</a:t>
+            </a:r>
+            <a:endParaRPr lang="en-US" dirty="0" smtClean="0">
+              <a:solidFill>
+                <a:schemeClr val="tx1"/>
+              </a:solidFill>
+              <a:latin typeface="Times New Roman" pitchFamily="18" charset="0"/>
+              <a:cs typeface="Times New Roman" pitchFamily="18" charset="0"/>
+            </a:endParaRPr>
+          </a:p>
+          <a:p>
+            <a:pPr algn="ctr"/>
+            <a:endParaRPr lang="ru-RU" dirty="0">
+              <a:solidFill>
+                <a:schemeClr val="tx1"/>
+              </a:solidFill>
+              <a:latin typeface="Times New Roman" pitchFamily="18" charset="0"/>
+              <a:cs typeface="Times New Roman" pitchFamily="18" charset="0"/>
+            </a:endParaRPr>
           </a:p>
         </p:txBody>
       </p:sp>
       <p:pic>
         <p:nvPicPr>
-          <p:cNvPr id="2050" name="Picture 2"/>
+          <p:cNvPr id="1026" name="Picture 2" descr="C:\Users\Анатолий\Downloads\sqlserver-c0e2f1c3b95969de0089f8c4eb415859.png"/>
           <p:cNvPicPr>
             <a:picLocks noChangeAspect="1" noChangeArrowheads="1"/>
           </p:cNvPicPr>
@@ -4173,258 +4982,538 @@
         </p:blipFill>
         <p:spPr bwMode="auto">
           <a:xfrm>
-            <a:off x="883304" y="552730"/>
-            <a:ext cx="9897828" cy="3445528"/>
+            <a:off x="645460" y="2195868"/>
+            <a:ext cx="4141693" cy="1044890"/>
           </a:xfrm>
           <a:prstGeom prst="rect">
             <a:avLst/>
           </a:prstGeom>
           <a:noFill/>
-          <a:ln w="9525">
-            <a:noFill/>
-            <a:miter lim="800000"/>
-            <a:headEnd/>
-            <a:tailEnd/>
+        </p:spPr>
+      </p:pic>
+      <p:sp>
+        <p:nvSpPr>
+          <p:cNvPr id="5" name="Скругленный прямоугольник 4"/>
+          <p:cNvSpPr/>
+          <p:nvPr/>
+        </p:nvSpPr>
+        <p:spPr>
+          <a:xfrm>
+            <a:off x="5970495" y="519951"/>
+            <a:ext cx="5020236" cy="1497105"/>
+          </a:xfrm>
+          <a:prstGeom prst="roundRect">
+            <a:avLst/>
+          </a:prstGeom>
+          <a:solidFill>
+            <a:schemeClr val="bg1"/>
+          </a:solidFill>
+          <a:ln w="76200">
+            <a:solidFill>
+              <a:srgbClr val="CC00FF"/>
+            </a:solidFill>
           </a:ln>
-          <a:effectLst/>
-        </p:spPr>
-      </p:pic>
-      <p:sp>
-        <p:nvSpPr>
-          <p:cNvPr id="5" name="TextBox 4"/>
-          <p:cNvSpPr txBox="1"/>
+        </p:spPr>
+        <p:style>
+          <a:lnRef idx="2">
+            <a:schemeClr val="accent1">
+              <a:shade val="50000"/>
+            </a:schemeClr>
+          </a:lnRef>
+          <a:fillRef idx="1">
+            <a:schemeClr val="accent1"/>
+          </a:fillRef>
+          <a:effectRef idx="0">
+            <a:schemeClr val="accent1"/>
+          </a:effectRef>
+          <a:fontRef idx="minor">
+            <a:schemeClr val="lt1"/>
+          </a:fontRef>
+        </p:style>
+        <p:txBody>
+          <a:bodyPr rtlCol="0" anchor="ctr"/>
+          <a:lstStyle/>
+          <a:p>
+            <a:pPr algn="ctr"/>
+            <a:r>
+              <a:rPr lang="ru-RU" b="1" dirty="0" smtClean="0">
+                <a:solidFill>
+                  <a:schemeClr val="tx1"/>
+                </a:solidFill>
+                <a:latin typeface="Times New Roman" pitchFamily="18" charset="0"/>
+                <a:cs typeface="Times New Roman" pitchFamily="18" charset="0"/>
+              </a:rPr>
+              <a:t>СРЕДА РАЗРАБОТКИ:</a:t>
+            </a:r>
+            <a:r>
+              <a:rPr lang="ru-RU" dirty="0" smtClean="0">
+                <a:solidFill>
+                  <a:schemeClr val="tx1"/>
+                </a:solidFill>
+                <a:latin typeface="Times New Roman" pitchFamily="18" charset="0"/>
+                <a:cs typeface="Times New Roman" pitchFamily="18" charset="0"/>
+              </a:rPr>
+              <a:t/>
+            </a:r>
+            <a:br>
+              <a:rPr lang="ru-RU" dirty="0" smtClean="0">
+                <a:solidFill>
+                  <a:schemeClr val="tx1"/>
+                </a:solidFill>
+                <a:latin typeface="Times New Roman" pitchFamily="18" charset="0"/>
+                <a:cs typeface="Times New Roman" pitchFamily="18" charset="0"/>
+              </a:rPr>
+            </a:br>
+            <a:r>
+              <a:rPr lang="en-US" dirty="0" smtClean="0">
+                <a:solidFill>
+                  <a:schemeClr val="tx1"/>
+                </a:solidFill>
+                <a:latin typeface="Times New Roman" pitchFamily="18" charset="0"/>
+                <a:cs typeface="Times New Roman" pitchFamily="18" charset="0"/>
+              </a:rPr>
+              <a:t>VISUAL STUDIO </a:t>
+            </a:r>
+            <a:r>
+              <a:rPr lang="ru-RU" dirty="0" smtClean="0">
+                <a:solidFill>
+                  <a:schemeClr val="tx1"/>
+                </a:solidFill>
+                <a:latin typeface="Times New Roman" pitchFamily="18" charset="0"/>
+                <a:cs typeface="Times New Roman" pitchFamily="18" charset="0"/>
+              </a:rPr>
+              <a:t>2022/</a:t>
+            </a:r>
+            <a:r>
+              <a:rPr lang="en-US" dirty="0" smtClean="0">
+                <a:solidFill>
+                  <a:schemeClr val="tx1"/>
+                </a:solidFill>
+                <a:latin typeface="Times New Roman" pitchFamily="18" charset="0"/>
+                <a:cs typeface="Times New Roman" pitchFamily="18" charset="0"/>
+              </a:rPr>
+              <a:t>2026</a:t>
+            </a:r>
+            <a:r>
+              <a:rPr lang="en-US" dirty="0" smtClean="0">
+                <a:solidFill>
+                  <a:schemeClr val="tx1"/>
+                </a:solidFill>
+                <a:latin typeface="Times New Roman" pitchFamily="18" charset="0"/>
+                <a:cs typeface="Times New Roman" pitchFamily="18" charset="0"/>
+              </a:rPr>
+              <a:t>,</a:t>
+            </a:r>
+          </a:p>
+          <a:p>
+            <a:pPr algn="ctr"/>
+            <a:r>
+              <a:rPr lang="ru-RU" dirty="0" smtClean="0">
+                <a:solidFill>
+                  <a:schemeClr val="tx1"/>
+                </a:solidFill>
+                <a:latin typeface="Times New Roman" pitchFamily="18" charset="0"/>
+                <a:cs typeface="Times New Roman" pitchFamily="18" charset="0"/>
+              </a:rPr>
+              <a:t>Язык программирования </a:t>
+            </a:r>
+            <a:r>
+              <a:rPr lang="en-US" dirty="0" smtClean="0">
+                <a:solidFill>
+                  <a:schemeClr val="tx1"/>
+                </a:solidFill>
+                <a:latin typeface="Times New Roman" pitchFamily="18" charset="0"/>
+                <a:cs typeface="Times New Roman" pitchFamily="18" charset="0"/>
+              </a:rPr>
+              <a:t>C#</a:t>
+            </a:r>
+          </a:p>
+          <a:p>
+            <a:pPr algn="ctr"/>
+            <a:endParaRPr lang="ru-RU" dirty="0">
+              <a:solidFill>
+                <a:schemeClr val="tx1"/>
+              </a:solidFill>
+              <a:latin typeface="Times New Roman" pitchFamily="18" charset="0"/>
+              <a:cs typeface="Times New Roman" pitchFamily="18" charset="0"/>
+            </a:endParaRPr>
+          </a:p>
+        </p:txBody>
+      </p:sp>
+      <p:pic>
+        <p:nvPicPr>
+          <p:cNvPr id="1027" name="Picture 3" descr="C:\Users\Анатолий\Downloads\Logo_C_sharp.svg.png"/>
+          <p:cNvPicPr>
+            <a:picLocks noChangeAspect="1" noChangeArrowheads="1"/>
+          </p:cNvPicPr>
           <p:nvPr/>
-        </p:nvSpPr>
-        <p:spPr>
-          <a:xfrm>
-            <a:off x="1144121" y="3995678"/>
-            <a:ext cx="9390529" cy="2862322"/>
+        </p:nvPicPr>
+        <p:blipFill>
+          <a:blip r:embed="rId3" cstate="print"/>
+          <a:srcRect/>
+          <a:stretch>
+            <a:fillRect/>
+          </a:stretch>
+        </p:blipFill>
+        <p:spPr bwMode="auto">
+          <a:xfrm>
+            <a:off x="8992345" y="2106705"/>
+            <a:ext cx="1155701" cy="1300482"/>
           </a:xfrm>
           <a:prstGeom prst="rect">
             <a:avLst/>
           </a:prstGeom>
           <a:noFill/>
         </p:spPr>
-        <p:txBody>
-          <a:bodyPr wrap="square" rtlCol="0">
-            <a:spAutoFit/>
-          </a:bodyPr>
-          <a:lstStyle/>
-          <a:p>
-            <a:pPr>
-              <a:buFont typeface="Arial" pitchFamily="34" charset="0"/>
-              <a:buChar char="•"/>
-            </a:pPr>
-            <a:r>
-              <a:rPr lang="ru-RU" b="1" dirty="0" smtClean="0"/>
-              <a:t> </a:t>
-            </a:r>
-            <a:r>
-              <a:rPr lang="en-US" b="1" dirty="0" smtClean="0"/>
-              <a:t>Users (</a:t>
-            </a:r>
-            <a:r>
-              <a:rPr lang="ru-RU" b="1" dirty="0" smtClean="0"/>
-              <a:t>Пользователи</a:t>
-            </a:r>
-            <a:r>
-              <a:rPr lang="en-US" b="1" dirty="0" smtClean="0"/>
-              <a:t>)</a:t>
-            </a:r>
-            <a:r>
-              <a:rPr lang="ru-RU" dirty="0" smtClean="0"/>
-              <a:t> </a:t>
-            </a:r>
-            <a:r>
-              <a:rPr lang="ru-RU" dirty="0" smtClean="0"/>
-              <a:t>— Хранит информацию о пользователях которые могут входить в приложение</a:t>
-            </a:r>
-          </a:p>
-          <a:p>
-            <a:pPr>
-              <a:buFont typeface="Arial" pitchFamily="34" charset="0"/>
-              <a:buChar char="•"/>
-            </a:pPr>
-            <a:r>
-              <a:rPr lang="ru-RU" b="1" dirty="0" smtClean="0"/>
-              <a:t> </a:t>
-            </a:r>
-            <a:r>
-              <a:rPr lang="en-US" b="1" dirty="0" smtClean="0"/>
-              <a:t>Groups (</a:t>
-            </a:r>
-            <a:r>
-              <a:rPr lang="ru-RU" b="1" dirty="0" smtClean="0"/>
-              <a:t>Группы</a:t>
-            </a:r>
-            <a:r>
-              <a:rPr lang="en-US" b="1" dirty="0" smtClean="0"/>
-              <a:t>)</a:t>
-            </a:r>
-            <a:r>
-              <a:rPr lang="ru-RU" b="1" dirty="0" smtClean="0"/>
-              <a:t> </a:t>
-            </a:r>
-            <a:r>
-              <a:rPr lang="ru-RU" dirty="0" smtClean="0"/>
-              <a:t>— Содержит информацию о «Группах/Специальностях» их номер и название</a:t>
-            </a:r>
-          </a:p>
-          <a:p>
-            <a:pPr>
-              <a:buFont typeface="Arial" pitchFamily="34" charset="0"/>
-              <a:buChar char="•"/>
-            </a:pPr>
-            <a:r>
-              <a:rPr lang="ru-RU" dirty="0" smtClean="0"/>
-              <a:t> </a:t>
-            </a:r>
-            <a:r>
-              <a:rPr lang="en-US" b="1" dirty="0" smtClean="0"/>
-              <a:t>Schedules (</a:t>
-            </a:r>
-            <a:r>
-              <a:rPr lang="ru-RU" b="1" dirty="0" smtClean="0"/>
-              <a:t>Расписание</a:t>
-            </a:r>
-            <a:r>
-              <a:rPr lang="en-US" b="1" dirty="0" smtClean="0"/>
-              <a:t>)</a:t>
-            </a:r>
-            <a:r>
-              <a:rPr lang="ru-RU" b="1" dirty="0" smtClean="0"/>
-              <a:t> </a:t>
-            </a:r>
-            <a:r>
-              <a:rPr lang="ru-RU" dirty="0" smtClean="0"/>
-              <a:t>— Хранит в себе информацию о расписании т.е </a:t>
-            </a:r>
-            <a:r>
-              <a:rPr lang="en-US" dirty="0" smtClean="0"/>
-              <a:t>ID</a:t>
-            </a:r>
-            <a:r>
-              <a:rPr lang="ru-RU" dirty="0" smtClean="0"/>
-              <a:t> пре</a:t>
-            </a:r>
-            <a:r>
-              <a:rPr lang="ru-RU" dirty="0" smtClean="0"/>
-              <a:t>д</a:t>
-            </a:r>
-            <a:r>
-              <a:rPr lang="ru-RU" dirty="0" smtClean="0"/>
-              <a:t>мета, день недели, номер пары, </a:t>
-            </a:r>
-            <a:r>
-              <a:rPr lang="en-US" dirty="0" smtClean="0"/>
-              <a:t>ID</a:t>
-            </a:r>
-            <a:r>
-              <a:rPr lang="ru-RU" dirty="0" smtClean="0"/>
-              <a:t> группы, </a:t>
-            </a:r>
-            <a:r>
-              <a:rPr lang="en-US" dirty="0" smtClean="0"/>
-              <a:t>ID</a:t>
-            </a:r>
-            <a:r>
-              <a:rPr lang="ru-RU" dirty="0" smtClean="0"/>
-              <a:t> преподавателя, </a:t>
-            </a:r>
-            <a:r>
-              <a:rPr lang="en-US" dirty="0" smtClean="0"/>
-              <a:t>ID</a:t>
-            </a:r>
-            <a:r>
-              <a:rPr lang="ru-RU" dirty="0" smtClean="0"/>
-              <a:t> комнаты, название занятия и дату занятия</a:t>
-            </a:r>
-          </a:p>
-          <a:p>
-            <a:pPr>
-              <a:buFont typeface="Arial" pitchFamily="34" charset="0"/>
-              <a:buChar char="•"/>
-            </a:pPr>
-            <a:r>
-              <a:rPr lang="en-US" b="1" dirty="0" smtClean="0"/>
-              <a:t> Rooms (</a:t>
-            </a:r>
-            <a:r>
-              <a:rPr lang="ru-RU" b="1" dirty="0" smtClean="0"/>
-              <a:t>Комнаты/Кабинеты</a:t>
-            </a:r>
-            <a:r>
-              <a:rPr lang="en-US" b="1" dirty="0" smtClean="0"/>
-              <a:t>)</a:t>
-            </a:r>
-            <a:r>
-              <a:rPr lang="ru-RU" b="1" dirty="0" smtClean="0"/>
-              <a:t> </a:t>
-            </a:r>
-            <a:r>
-              <a:rPr lang="ru-RU" dirty="0" smtClean="0"/>
-              <a:t>— Хранит в себе </a:t>
-            </a:r>
-            <a:r>
-              <a:rPr lang="en-US" dirty="0" smtClean="0"/>
-              <a:t>ID </a:t>
-            </a:r>
-            <a:r>
-              <a:rPr lang="ru-RU" dirty="0" smtClean="0"/>
-              <a:t>комнаты и номер комнаты</a:t>
-            </a:r>
-          </a:p>
-          <a:p>
-            <a:pPr>
-              <a:buFont typeface="Arial" pitchFamily="34" charset="0"/>
-              <a:buChar char="•"/>
-            </a:pPr>
-            <a:r>
-              <a:rPr lang="ru-RU" b="1" dirty="0" smtClean="0"/>
-              <a:t> </a:t>
-            </a:r>
-            <a:r>
-              <a:rPr lang="en-US" b="1" dirty="0" smtClean="0"/>
-              <a:t>Lecturers (</a:t>
-            </a:r>
-            <a:r>
-              <a:rPr lang="ru-RU" b="1" dirty="0" smtClean="0"/>
-              <a:t>Преподаватели</a:t>
-            </a:r>
-            <a:r>
-              <a:rPr lang="en-US" b="1" dirty="0" smtClean="0"/>
-              <a:t>)</a:t>
-            </a:r>
-            <a:r>
-              <a:rPr lang="ru-RU" b="1" dirty="0" smtClean="0"/>
-              <a:t> — </a:t>
-            </a:r>
-            <a:r>
-              <a:rPr lang="ru-RU" dirty="0" smtClean="0"/>
-              <a:t>Содержит информацию о </a:t>
-            </a:r>
-            <a:r>
-              <a:rPr lang="en-US" dirty="0" smtClean="0"/>
-              <a:t>ID </a:t>
-            </a:r>
-            <a:r>
-              <a:rPr lang="ru-RU" dirty="0" smtClean="0"/>
-              <a:t>преподавателя, его ПОЛНОМ имени и о его дисциплинах</a:t>
-            </a:r>
-            <a:endParaRPr lang="ru-RU" b="1" dirty="0"/>
+      </p:pic>
+      <p:pic>
+        <p:nvPicPr>
+          <p:cNvPr id="1028" name="Picture 4" descr="C:\Users\Анатолий\Downloads\Visual_Studio_Icon_2026.svg.png"/>
+          <p:cNvPicPr>
+            <a:picLocks noChangeAspect="1" noChangeArrowheads="1"/>
+          </p:cNvPicPr>
+          <p:nvPr/>
+        </p:nvPicPr>
+        <p:blipFill>
+          <a:blip r:embed="rId4" cstate="print"/>
+          <a:srcRect/>
+          <a:stretch>
+            <a:fillRect/>
+          </a:stretch>
+        </p:blipFill>
+        <p:spPr bwMode="auto">
+          <a:xfrm>
+            <a:off x="6925236" y="2079812"/>
+            <a:ext cx="1290918" cy="1290918"/>
+          </a:xfrm>
+          <a:prstGeom prst="rect">
+            <a:avLst/>
+          </a:prstGeom>
+          <a:noFill/>
+        </p:spPr>
+      </p:pic>
+      <p:sp>
+        <p:nvSpPr>
+          <p:cNvPr id="8" name="Скругленный прямоугольник 7"/>
+          <p:cNvSpPr/>
+          <p:nvPr/>
+        </p:nvSpPr>
+        <p:spPr>
+          <a:xfrm>
+            <a:off x="3200401" y="3550022"/>
+            <a:ext cx="5020236" cy="1497105"/>
+          </a:xfrm>
+          <a:prstGeom prst="roundRect">
+            <a:avLst/>
+          </a:prstGeom>
+          <a:solidFill>
+            <a:schemeClr val="bg1"/>
+          </a:solidFill>
+          <a:ln w="76200">
+            <a:solidFill>
+              <a:schemeClr val="accent1"/>
+            </a:solidFill>
+          </a:ln>
+        </p:spPr>
+        <p:style>
+          <a:lnRef idx="2">
+            <a:schemeClr val="accent1">
+              <a:shade val="50000"/>
+            </a:schemeClr>
+          </a:lnRef>
+          <a:fillRef idx="1">
+            <a:schemeClr val="accent1"/>
+          </a:fillRef>
+          <a:effectRef idx="0">
+            <a:schemeClr val="accent1"/>
+          </a:effectRef>
+          <a:fontRef idx="minor">
+            <a:schemeClr val="lt1"/>
+          </a:fontRef>
+        </p:style>
+        <p:txBody>
+          <a:bodyPr rtlCol="0" anchor="ctr"/>
+          <a:lstStyle/>
+          <a:p>
+            <a:pPr algn="ctr"/>
+            <a:r>
+              <a:rPr lang="ru-RU" b="1" dirty="0" smtClean="0">
+                <a:solidFill>
+                  <a:schemeClr val="tx1"/>
+                </a:solidFill>
+                <a:latin typeface="Times New Roman" pitchFamily="18" charset="0"/>
+                <a:cs typeface="Times New Roman" pitchFamily="18" charset="0"/>
+              </a:rPr>
+              <a:t>ТЕХНОЛОГИИ:</a:t>
+            </a:r>
+            <a:r>
+              <a:rPr lang="ru-RU" dirty="0" smtClean="0">
+                <a:solidFill>
+                  <a:schemeClr val="tx1"/>
+                </a:solidFill>
+                <a:latin typeface="Times New Roman" pitchFamily="18" charset="0"/>
+                <a:cs typeface="Times New Roman" pitchFamily="18" charset="0"/>
+              </a:rPr>
+              <a:t/>
+            </a:r>
+            <a:br>
+              <a:rPr lang="ru-RU" dirty="0" smtClean="0">
+                <a:solidFill>
+                  <a:schemeClr val="tx1"/>
+                </a:solidFill>
+                <a:latin typeface="Times New Roman" pitchFamily="18" charset="0"/>
+                <a:cs typeface="Times New Roman" pitchFamily="18" charset="0"/>
+              </a:rPr>
+            </a:br>
+            <a:r>
+              <a:rPr lang="ru-RU" dirty="0" smtClean="0">
+                <a:solidFill>
+                  <a:schemeClr val="tx1"/>
+                </a:solidFill>
+                <a:latin typeface="Times New Roman" pitchFamily="18" charset="0"/>
+                <a:cs typeface="Times New Roman" pitchFamily="18" charset="0"/>
+              </a:rPr>
+              <a:t> платформа .</a:t>
+            </a:r>
+            <a:r>
+              <a:rPr lang="en-US" dirty="0" smtClean="0">
+                <a:solidFill>
+                  <a:schemeClr val="tx1"/>
+                </a:solidFill>
+                <a:latin typeface="Times New Roman" pitchFamily="18" charset="0"/>
+                <a:cs typeface="Times New Roman" pitchFamily="18" charset="0"/>
+              </a:rPr>
+              <a:t>NET Framework, </a:t>
+            </a:r>
+            <a:endParaRPr lang="ru-RU" dirty="0" smtClean="0">
+              <a:solidFill>
+                <a:schemeClr val="tx1"/>
+              </a:solidFill>
+              <a:latin typeface="Times New Roman" pitchFamily="18" charset="0"/>
+              <a:cs typeface="Times New Roman" pitchFamily="18" charset="0"/>
+            </a:endParaRPr>
+          </a:p>
+          <a:p>
+            <a:pPr algn="ctr"/>
+            <a:r>
+              <a:rPr lang="en-US" dirty="0" smtClean="0">
+                <a:solidFill>
+                  <a:schemeClr val="tx1"/>
+                </a:solidFill>
+                <a:latin typeface="Times New Roman" pitchFamily="18" charset="0"/>
+                <a:cs typeface="Times New Roman" pitchFamily="18" charset="0"/>
+              </a:rPr>
+              <a:t>SQL Server Management Studio </a:t>
+            </a:r>
+            <a:r>
+              <a:rPr lang="ru-RU" dirty="0" smtClean="0">
+                <a:solidFill>
+                  <a:schemeClr val="tx1"/>
+                </a:solidFill>
+                <a:latin typeface="Times New Roman" pitchFamily="18" charset="0"/>
+                <a:cs typeface="Times New Roman" pitchFamily="18" charset="0"/>
+              </a:rPr>
+              <a:t>для </a:t>
+            </a:r>
+            <a:r>
+              <a:rPr lang="ru-RU" dirty="0" smtClean="0">
+                <a:solidFill>
+                  <a:schemeClr val="tx1"/>
+                </a:solidFill>
+                <a:latin typeface="Times New Roman" pitchFamily="18" charset="0"/>
+                <a:cs typeface="Times New Roman" pitchFamily="18" charset="0"/>
+              </a:rPr>
+              <a:t>управлением </a:t>
+            </a:r>
+            <a:r>
+              <a:rPr lang="ru-RU" dirty="0" smtClean="0">
+                <a:solidFill>
+                  <a:schemeClr val="tx1"/>
+                </a:solidFill>
+                <a:latin typeface="Times New Roman" pitchFamily="18" charset="0"/>
+                <a:cs typeface="Times New Roman" pitchFamily="18" charset="0"/>
+              </a:rPr>
+              <a:t>БД</a:t>
+            </a:r>
+            <a:endParaRPr lang="ru-RU" dirty="0">
+              <a:solidFill>
+                <a:schemeClr val="tx1"/>
+              </a:solidFill>
+              <a:latin typeface="Times New Roman" pitchFamily="18" charset="0"/>
+              <a:cs typeface="Times New Roman" pitchFamily="18" charset="0"/>
+            </a:endParaRPr>
+          </a:p>
+        </p:txBody>
+      </p:sp>
+      <p:pic>
+        <p:nvPicPr>
+          <p:cNvPr id="1029" name="Picture 5" descr="C:\Users\Анатолий\Downloads\Microsoft_.NET_logo.svg.png"/>
+          <p:cNvPicPr>
+            <a:picLocks noChangeAspect="1" noChangeArrowheads="1"/>
+          </p:cNvPicPr>
+          <p:nvPr/>
+        </p:nvPicPr>
+        <p:blipFill>
+          <a:blip r:embed="rId5" cstate="print"/>
+          <a:srcRect/>
+          <a:stretch>
+            <a:fillRect/>
+          </a:stretch>
+        </p:blipFill>
+        <p:spPr bwMode="auto">
+          <a:xfrm>
+            <a:off x="3850342" y="5190565"/>
+            <a:ext cx="1532964" cy="1532964"/>
+          </a:xfrm>
+          <a:prstGeom prst="rect">
+            <a:avLst/>
+          </a:prstGeom>
+          <a:noFill/>
+        </p:spPr>
+      </p:pic>
+      <p:pic>
+        <p:nvPicPr>
+          <p:cNvPr id="1030" name="Picture 6" descr="C:\Users\Анатолий\Downloads\SSMSv21Logo.png"/>
+          <p:cNvPicPr>
+            <a:picLocks noChangeAspect="1" noChangeArrowheads="1"/>
+          </p:cNvPicPr>
+          <p:nvPr/>
+        </p:nvPicPr>
+        <p:blipFill>
+          <a:blip r:embed="rId6" cstate="print"/>
+          <a:srcRect/>
+          <a:stretch>
+            <a:fillRect/>
+          </a:stretch>
+        </p:blipFill>
+        <p:spPr bwMode="auto">
+          <a:xfrm>
+            <a:off x="5849471" y="5163671"/>
+            <a:ext cx="1568823" cy="1568823"/>
+          </a:xfrm>
+          <a:prstGeom prst="rect">
+            <a:avLst/>
+          </a:prstGeom>
+          <a:noFill/>
+        </p:spPr>
+      </p:pic>
+      <p:sp>
+        <p:nvSpPr>
+          <p:cNvPr id="11" name="Прямоугольник 10"/>
+          <p:cNvSpPr/>
+          <p:nvPr/>
+        </p:nvSpPr>
+        <p:spPr>
+          <a:xfrm rot="2700000">
+            <a:off x="-6490451" y="5387545"/>
+            <a:ext cx="16421568" cy="1702078"/>
+          </a:xfrm>
+          <a:prstGeom prst="rect">
+            <a:avLst/>
+          </a:prstGeom>
+          <a:solidFill>
+            <a:schemeClr val="tx1">
+              <a:lumMod val="75000"/>
+              <a:lumOff val="25000"/>
+            </a:schemeClr>
+          </a:solidFill>
+        </p:spPr>
+        <p:style>
+          <a:lnRef idx="2">
+            <a:schemeClr val="accent1">
+              <a:shade val="50000"/>
+            </a:schemeClr>
+          </a:lnRef>
+          <a:fillRef idx="1">
+            <a:schemeClr val="accent1"/>
+          </a:fillRef>
+          <a:effectRef idx="0">
+            <a:schemeClr val="accent1"/>
+          </a:effectRef>
+          <a:fontRef idx="minor">
+            <a:schemeClr val="lt1"/>
+          </a:fontRef>
+        </p:style>
+        <p:txBody>
+          <a:bodyPr rtlCol="0" anchor="ctr"/>
+          <a:lstStyle/>
+          <a:p>
+            <a:pPr algn="ctr"/>
+            <a:endParaRPr lang="ru-RU" dirty="0">
+              <a:solidFill>
+                <a:srgbClr val="CC00FF"/>
+              </a:solidFill>
+            </a:endParaRPr>
+          </a:p>
+        </p:txBody>
+      </p:sp>
+      <p:sp>
+        <p:nvSpPr>
+          <p:cNvPr id="12" name="Прямоугольник 11"/>
+          <p:cNvSpPr/>
+          <p:nvPr/>
+        </p:nvSpPr>
+        <p:spPr>
+          <a:xfrm rot="2700000">
+            <a:off x="-6556210" y="5772051"/>
+            <a:ext cx="16421568" cy="871419"/>
+          </a:xfrm>
+          <a:prstGeom prst="rect">
+            <a:avLst/>
+          </a:prstGeom>
+          <a:solidFill>
+            <a:schemeClr val="tx1">
+              <a:lumMod val="65000"/>
+              <a:lumOff val="35000"/>
+            </a:schemeClr>
+          </a:solidFill>
+        </p:spPr>
+        <p:style>
+          <a:lnRef idx="2">
+            <a:schemeClr val="accent1">
+              <a:shade val="50000"/>
+            </a:schemeClr>
+          </a:lnRef>
+          <a:fillRef idx="1">
+            <a:schemeClr val="accent1"/>
+          </a:fillRef>
+          <a:effectRef idx="0">
+            <a:schemeClr val="accent1"/>
+          </a:effectRef>
+          <a:fontRef idx="minor">
+            <a:schemeClr val="lt1"/>
+          </a:fontRef>
+        </p:style>
+        <p:txBody>
+          <a:bodyPr rtlCol="0" anchor="ctr"/>
+          <a:lstStyle/>
+          <a:p>
+            <a:pPr algn="ctr"/>
+            <a:endParaRPr lang="ru-RU" dirty="0">
+              <a:solidFill>
+                <a:srgbClr val="CC00FF"/>
+              </a:solidFill>
+            </a:endParaRPr>
           </a:p>
         </p:txBody>
       </p:sp>
     </p:spTree>
     <p:extLst>
       <p:ext uri="{BB962C8B-B14F-4D97-AF65-F5344CB8AC3E}">
-        <p14:creationId xmlns:p14="http://schemas.microsoft.com/office/powerpoint/2010/main" xmlns="" val="1592301246"/>
+        <p14:creationId xmlns="" xmlns:p14="http://schemas.microsoft.com/office/powerpoint/2010/main" val="2892875174"/>
       </p:ext>
     </p:extLst>
   </p:cSld>
   <p:clrMapOvr>
     <a:masterClrMapping/>
   </p:clrMapOvr>
+  <p:timing>
+    <p:tnLst>
+      <p:par>
+        <p:cTn id="1" dur="indefinite" restart="never" nodeType="tmRoot"/>
+      </p:par>
+    </p:tnLst>
+  </p:timing>
 </p:sld>
 </file>
 
@@ -4447,6 +5536,106 @@
       </p:grpSpPr>
       <p:sp>
         <p:nvSpPr>
+          <p:cNvPr id="238" name="Прямоугольник 237"/>
+          <p:cNvSpPr/>
+          <p:nvPr/>
+        </p:nvSpPr>
+        <p:spPr>
+          <a:xfrm rot="18900000">
+            <a:off x="1840748" y="5556638"/>
+            <a:ext cx="16421568" cy="1702078"/>
+          </a:xfrm>
+          <a:prstGeom prst="rect">
+            <a:avLst/>
+          </a:prstGeom>
+          <a:solidFill>
+            <a:schemeClr val="tx1">
+              <a:lumMod val="75000"/>
+              <a:lumOff val="25000"/>
+            </a:schemeClr>
+          </a:solidFill>
+        </p:spPr>
+        <p:style>
+          <a:lnRef idx="2">
+            <a:schemeClr val="accent1">
+              <a:shade val="50000"/>
+            </a:schemeClr>
+          </a:lnRef>
+          <a:fillRef idx="1">
+            <a:schemeClr val="accent1"/>
+          </a:fillRef>
+          <a:effectRef idx="0">
+            <a:schemeClr val="accent1"/>
+          </a:effectRef>
+          <a:fontRef idx="minor">
+            <a:schemeClr val="lt1"/>
+          </a:fontRef>
+        </p:style>
+        <p:txBody>
+          <a:bodyPr rtlCol="0" anchor="ctr"/>
+          <a:lstStyle/>
+          <a:p>
+            <a:pPr algn="ctr"/>
+            <a:endParaRPr lang="ru-RU" dirty="0">
+              <a:solidFill>
+                <a:srgbClr val="CC00FF"/>
+              </a:solidFill>
+            </a:endParaRPr>
+          </a:p>
+        </p:txBody>
+      </p:sp>
+      <p:sp>
+        <p:nvSpPr>
+          <p:cNvPr id="239" name="Прямоугольник 238"/>
+          <p:cNvSpPr/>
+          <p:nvPr/>
+        </p:nvSpPr>
+        <p:spPr>
+          <a:xfrm rot="18900000">
+            <a:off x="1774989" y="5941144"/>
+            <a:ext cx="16421568" cy="871419"/>
+          </a:xfrm>
+          <a:prstGeom prst="rect">
+            <a:avLst/>
+          </a:prstGeom>
+          <a:solidFill>
+            <a:schemeClr val="tx1">
+              <a:lumMod val="65000"/>
+              <a:lumOff val="35000"/>
+            </a:schemeClr>
+          </a:solidFill>
+        </p:spPr>
+        <p:style>
+          <a:lnRef idx="2">
+            <a:schemeClr val="accent1">
+              <a:shade val="50000"/>
+            </a:schemeClr>
+          </a:lnRef>
+          <a:fillRef idx="1">
+            <a:schemeClr val="accent1"/>
+          </a:fillRef>
+          <a:effectRef idx="0">
+            <a:schemeClr val="accent1"/>
+          </a:effectRef>
+          <a:fontRef idx="minor">
+            <a:schemeClr val="lt1"/>
+          </a:fontRef>
+        </p:style>
+        <p:txBody>
+          <a:bodyPr rtlCol="0" anchor="ctr"/>
+          <a:lstStyle/>
+          <a:p>
+            <a:pPr algn="ctr"/>
+            <a:endParaRPr lang="ru-RU" dirty="0">
+              <a:solidFill>
+                <a:srgbClr val="CC00FF"/>
+              </a:solidFill>
+            </a:endParaRPr>
+          </a:p>
+        </p:txBody>
+      </p:sp>
+      <p:sp>
+        <p:nvSpPr>
           <p:cNvPr id="4" name="TextBox 3"/>
           <p:cNvSpPr txBox="1"/>
           <p:nvPr/>
@@ -4454,7 +5643,7 @@
         <p:spPr>
           <a:xfrm>
             <a:off x="0" y="0"/>
-            <a:ext cx="12000807" cy="523220"/>
+            <a:ext cx="4533900" cy="523220"/>
           </a:xfrm>
           <a:prstGeom prst="rect">
             <a:avLst/>
@@ -4469,38 +5658,67 @@
           <a:p>
             <a:r>
               <a:rPr lang="ru-RU" sz="2800" b="1" dirty="0" smtClean="0"/>
-              <a:t>Входные, выходные данные для контрольного примера </a:t>
+              <a:t>Физическая </a:t>
             </a:r>
             <a:r>
               <a:rPr lang="ru-RU" sz="2800" b="1" dirty="0" smtClean="0"/>
-              <a:t>(</a:t>
-            </a:r>
-            <a:r>
-              <a:rPr lang="en-US" sz="2800" b="1" dirty="0" smtClean="0"/>
-              <a:t>SQL</a:t>
-            </a:r>
-            <a:r>
-              <a:rPr lang="ru-RU" sz="2800" b="1" dirty="0" smtClean="0"/>
-              <a:t> </a:t>
-            </a:r>
-            <a:r>
-              <a:rPr lang="ru-RU" sz="2800" b="1" dirty="0" smtClean="0"/>
-              <a:t>запрос)</a:t>
+              <a:t>схема данных</a:t>
             </a:r>
             <a:endParaRPr lang="ru-RU" sz="2800" b="1" dirty="0"/>
           </a:p>
         </p:txBody>
       </p:sp>
+      <p:pic>
+        <p:nvPicPr>
+          <p:cNvPr id="2050" name="Picture 2"/>
+          <p:cNvPicPr>
+            <a:picLocks noChangeAspect="1" noChangeArrowheads="1"/>
+          </p:cNvPicPr>
+          <p:nvPr/>
+        </p:nvPicPr>
+        <p:blipFill>
+          <a:blip r:embed="rId3" cstate="print"/>
+          <a:stretch>
+            <a:fillRect/>
+          </a:stretch>
+        </p:blipFill>
+        <p:spPr bwMode="auto">
+          <a:xfrm>
+            <a:off x="2052821" y="838479"/>
+            <a:ext cx="8167503" cy="5337089"/>
+          </a:xfrm>
+          <a:prstGeom prst="rect">
+            <a:avLst/>
+          </a:prstGeom>
+          <a:noFill/>
+          <a:ln w="28575">
+            <a:solidFill>
+              <a:schemeClr val="tx1"/>
+            </a:solidFill>
+            <a:miter lim="800000"/>
+            <a:headEnd/>
+            <a:tailEnd/>
+          </a:ln>
+          <a:effectLst/>
+        </p:spPr>
+      </p:pic>
     </p:spTree>
     <p:extLst>
       <p:ext uri="{BB962C8B-B14F-4D97-AF65-F5344CB8AC3E}">
-        <p14:creationId xmlns:p14="http://schemas.microsoft.com/office/powerpoint/2010/main" xmlns="" val="3515615231"/>
+        <p14:creationId xmlns="" xmlns:p14="http://schemas.microsoft.com/office/powerpoint/2010/main" val="1592301246"/>
       </p:ext>
     </p:extLst>
   </p:cSld>
   <p:clrMapOvr>
     <a:masterClrMapping/>
   </p:clrMapOvr>
+  <p:timing>
+    <p:tnLst>
+      <p:par>
+        <p:cTn id="1" dur="indefinite" restart="never" nodeType="tmRoot"/>
+      </p:par>
+    </p:tnLst>
+  </p:timing>
 </p:sld>
 </file>
 
@@ -4523,19 +5741,187 @@
       </p:grpSpPr>
       <p:sp>
         <p:nvSpPr>
-          <p:cNvPr id="4" name="TextBox 3"/>
-          <p:cNvSpPr txBox="1"/>
+          <p:cNvPr id="6" name="Прямоугольник 5"/>
+          <p:cNvSpPr/>
           <p:nvPr/>
         </p:nvSpPr>
         <p:spPr>
           <a:xfrm>
-            <a:off x="0" y="0"/>
-            <a:ext cx="6093229" cy="523220"/>
+            <a:off x="0" y="2544786"/>
+            <a:ext cx="12192000" cy="2204326"/>
+          </a:xfrm>
+          <a:prstGeom prst="rect">
+            <a:avLst/>
+          </a:prstGeom>
+          <a:solidFill>
+            <a:schemeClr val="tx1">
+              <a:lumMod val="75000"/>
+              <a:lumOff val="25000"/>
+            </a:schemeClr>
+          </a:solidFill>
+        </p:spPr>
+        <p:style>
+          <a:lnRef idx="2">
+            <a:schemeClr val="accent1">
+              <a:shade val="50000"/>
+            </a:schemeClr>
+          </a:lnRef>
+          <a:fillRef idx="1">
+            <a:schemeClr val="accent1"/>
+          </a:fillRef>
+          <a:effectRef idx="0">
+            <a:schemeClr val="accent1"/>
+          </a:effectRef>
+          <a:fontRef idx="minor">
+            <a:schemeClr val="lt1"/>
+          </a:fontRef>
+        </p:style>
+        <p:txBody>
+          <a:bodyPr rtlCol="0" anchor="ctr"/>
+          <a:lstStyle/>
+          <a:p>
+            <a:pPr algn="ctr"/>
+            <a:endParaRPr lang="ru-RU" dirty="0">
+              <a:solidFill>
+                <a:srgbClr val="CC00FF"/>
+              </a:solidFill>
+            </a:endParaRPr>
+          </a:p>
+        </p:txBody>
+      </p:sp>
+      <p:sp>
+        <p:nvSpPr>
+          <p:cNvPr id="7" name="Прямоугольник 6"/>
+          <p:cNvSpPr/>
+          <p:nvPr/>
+        </p:nvSpPr>
+        <p:spPr>
+          <a:xfrm>
+            <a:off x="0" y="2952750"/>
+            <a:ext cx="12192000" cy="1456264"/>
+          </a:xfrm>
+          <a:prstGeom prst="rect">
+            <a:avLst/>
+          </a:prstGeom>
+          <a:solidFill>
+            <a:schemeClr val="tx1">
+              <a:lumMod val="65000"/>
+              <a:lumOff val="35000"/>
+            </a:schemeClr>
+          </a:solidFill>
+        </p:spPr>
+        <p:style>
+          <a:lnRef idx="2">
+            <a:schemeClr val="accent1">
+              <a:shade val="50000"/>
+            </a:schemeClr>
+          </a:lnRef>
+          <a:fillRef idx="1">
+            <a:schemeClr val="accent1"/>
+          </a:fillRef>
+          <a:effectRef idx="0">
+            <a:schemeClr val="accent1"/>
+          </a:effectRef>
+          <a:fontRef idx="minor">
+            <a:schemeClr val="lt1"/>
+          </a:fontRef>
+        </p:style>
+        <p:txBody>
+          <a:bodyPr rtlCol="0" anchor="ctr"/>
+          <a:lstStyle/>
+          <a:p>
+            <a:pPr algn="ctr"/>
+            <a:endParaRPr lang="ru-RU" dirty="0">
+              <a:solidFill>
+                <a:srgbClr val="CC00FF"/>
+              </a:solidFill>
+            </a:endParaRPr>
+          </a:p>
+        </p:txBody>
+      </p:sp>
+      <p:pic>
+        <p:nvPicPr>
+          <p:cNvPr id="4" name="Рисунок 3"/>
+          <p:cNvPicPr/>
+          <p:nvPr/>
+        </p:nvPicPr>
+        <p:blipFill>
+          <a:blip r:embed="rId2" cstate="print">
+            <a:extLst>
+              <a:ext uri="{28A0092B-C50C-407E-A947-70E740481C1C}">
+                <a14:useLocalDpi xmlns:ve="http://schemas.openxmlformats.org/markup-compatibility/2006" xmlns:m="http://schemas.openxmlformats.org/officeDocument/2006/math" xmlns:wp="http://schemas.openxmlformats.org/drawingml/2006/wordprocessingDrawing" xmlns:wne="http://schemas.microsoft.com/office/word/2006/wordml" xmlns:a14="http://schemas.microsoft.com/office/drawing/2010/main" xmlns:wps="http://schemas.microsoft.com/office/word/2010/wordprocessingShape" xmlns:wpi="http://schemas.microsoft.com/office/word/2010/wordprocessingInk" xmlns:wpg="http://schemas.microsoft.com/office/word/2010/wordprocessingGroup" xmlns:w16se="http://schemas.microsoft.com/office/word/2015/wordml/symex" xmlns:w15="http://schemas.microsoft.com/office/word/2012/wordml" xmlns:w14="http://schemas.microsoft.com/office/word/2010/wordml" xmlns:w="http://schemas.openxmlformats.org/wordprocessingml/2006/main" xmlns:w10="urn:schemas-microsoft-com:office:word" xmlns:wp14="http://schemas.microsoft.com/office/word/2010/wordprocessingDrawing" xmlns:v="urn:schemas-microsoft-com:vml" xmlns:o="urn:schemas-microsoft-com:office:office" xmlns:mc="http://schemas.openxmlformats.org/markup-compatibility/2006" xmlns:cx1="http://schemas.microsoft.com/office/drawing/2015/9/8/chartex" xmlns:cx="http://schemas.microsoft.com/office/drawing/2014/chartex" xmlns:wpc="http://schemas.microsoft.com/office/word/2010/wordprocessingCanvas" xmlns="" xmlns:pic="http://schemas.openxmlformats.org/drawingml/2006/picture" xmlns:lc="http://schemas.openxmlformats.org/drawingml/2006/lockedCanvas" val="0"/>
+              </a:ext>
+            </a:extLst>
+          </a:blip>
+          <a:stretch>
+            <a:fillRect/>
+          </a:stretch>
+        </p:blipFill>
+        <p:spPr bwMode="auto">
+          <a:xfrm>
+            <a:off x="678142" y="1781175"/>
+            <a:ext cx="5120716" cy="3429000"/>
           </a:xfrm>
           <a:prstGeom prst="rect">
             <a:avLst/>
           </a:prstGeom>
           <a:noFill/>
+          <a:ln w="38100">
+            <a:solidFill>
+              <a:schemeClr val="tx1"/>
+            </a:solidFill>
+            <a:miter lim="800000"/>
+            <a:headEnd/>
+            <a:tailEnd/>
+          </a:ln>
+        </p:spPr>
+      </p:pic>
+      <p:pic>
+        <p:nvPicPr>
+          <p:cNvPr id="5" name="Рисунок 4"/>
+          <p:cNvPicPr/>
+          <p:nvPr/>
+        </p:nvPicPr>
+        <p:blipFill>
+          <a:blip r:embed="rId3" cstate="print"/>
+          <a:stretch>
+            <a:fillRect/>
+          </a:stretch>
+        </p:blipFill>
+        <p:spPr bwMode="auto">
+          <a:xfrm>
+            <a:off x="6086475" y="1870424"/>
+            <a:ext cx="5484469" cy="3301651"/>
+          </a:xfrm>
+          <a:prstGeom prst="rect">
+            <a:avLst/>
+          </a:prstGeom>
+          <a:noFill/>
+          <a:ln w="38100">
+            <a:solidFill>
+              <a:schemeClr val="tx1"/>
+            </a:solidFill>
+            <a:miter lim="800000"/>
+            <a:headEnd/>
+            <a:tailEnd/>
+          </a:ln>
+        </p:spPr>
+      </p:pic>
+      <p:sp>
+        <p:nvSpPr>
+          <p:cNvPr id="8" name="TextBox 7"/>
+          <p:cNvSpPr txBox="1"/>
+          <p:nvPr/>
+        </p:nvSpPr>
+        <p:spPr>
+          <a:xfrm>
+            <a:off x="0" y="0"/>
+            <a:ext cx="6810375" cy="523220"/>
+          </a:xfrm>
+          <a:prstGeom prst="rect">
+            <a:avLst/>
+          </a:prstGeom>
+          <a:noFill/>
         </p:spPr>
         <p:txBody>
           <a:bodyPr wrap="square" rtlCol="0">
@@ -4545,22 +5931,929 @@
           <a:p>
             <a:r>
               <a:rPr lang="ru-RU" sz="2800" b="1" dirty="0" smtClean="0"/>
-              <a:t>Заключение</a:t>
+              <a:t>Разработка интерфейса пользователя №1</a:t>
             </a:r>
             <a:endParaRPr lang="ru-RU" sz="2800" b="1" dirty="0"/>
           </a:p>
         </p:txBody>
       </p:sp>
+      <p:sp>
+        <p:nvSpPr>
+          <p:cNvPr id="9" name="TextBox 8"/>
+          <p:cNvSpPr txBox="1"/>
+          <p:nvPr/>
+        </p:nvSpPr>
+        <p:spPr>
+          <a:xfrm>
+            <a:off x="1685925" y="5381625"/>
+            <a:ext cx="3190875" cy="523220"/>
+          </a:xfrm>
+          <a:prstGeom prst="rect">
+            <a:avLst/>
+          </a:prstGeom>
+          <a:noFill/>
+        </p:spPr>
+        <p:txBody>
+          <a:bodyPr wrap="square" rtlCol="0">
+            <a:spAutoFit/>
+          </a:bodyPr>
+          <a:lstStyle/>
+          <a:p>
+            <a:r>
+              <a:rPr lang="ru-RU" sz="2800" b="1" dirty="0" smtClean="0"/>
+              <a:t>Окно авторизации</a:t>
+            </a:r>
+            <a:endParaRPr lang="ru-RU" sz="2800" b="1" dirty="0"/>
+          </a:p>
+        </p:txBody>
+      </p:sp>
+      <p:sp>
+        <p:nvSpPr>
+          <p:cNvPr id="10" name="TextBox 9"/>
+          <p:cNvSpPr txBox="1"/>
+          <p:nvPr/>
+        </p:nvSpPr>
+        <p:spPr>
+          <a:xfrm>
+            <a:off x="7677150" y="5410200"/>
+            <a:ext cx="2666999" cy="523220"/>
+          </a:xfrm>
+          <a:prstGeom prst="rect">
+            <a:avLst/>
+          </a:prstGeom>
+          <a:noFill/>
+        </p:spPr>
+        <p:txBody>
+          <a:bodyPr wrap="square" rtlCol="0">
+            <a:spAutoFit/>
+          </a:bodyPr>
+          <a:lstStyle/>
+          <a:p>
+            <a:r>
+              <a:rPr lang="ru-RU" sz="2800" b="1" dirty="0" smtClean="0"/>
+              <a:t>Основное окно</a:t>
+            </a:r>
+            <a:endParaRPr lang="ru-RU" sz="2800" b="1" dirty="0"/>
+          </a:p>
+        </p:txBody>
+      </p:sp>
+    </p:spTree>
+  </p:cSld>
+  <p:clrMapOvr>
+    <a:masterClrMapping/>
+  </p:clrMapOvr>
+</p:sld>
+</file>
+
+<file path=ppt/slides/slide7.xml><?xml version="1.0" encoding="utf-8"?>
+<p:sld xmlns:a="http://schemas.openxmlformats.org/drawingml/2006/main" xmlns:r="http://schemas.openxmlformats.org/officeDocument/2006/relationships" xmlns:p="http://schemas.openxmlformats.org/presentationml/2006/main">
+  <p:cSld>
+    <p:spTree>
+      <p:nvGrpSpPr>
+        <p:cNvPr id="1" name=""/>
+        <p:cNvGrpSpPr/>
+        <p:nvPr/>
+      </p:nvGrpSpPr>
+      <p:grpSpPr>
+        <a:xfrm>
+          <a:off x="0" y="0"/>
+          <a:ext cx="0" cy="0"/>
+          <a:chOff x="0" y="0"/>
+          <a:chExt cx="0" cy="0"/>
+        </a:xfrm>
+      </p:grpSpPr>
+      <p:sp>
+        <p:nvSpPr>
+          <p:cNvPr id="6" name="Прямоугольник 5"/>
+          <p:cNvSpPr/>
+          <p:nvPr/>
+        </p:nvSpPr>
+        <p:spPr>
+          <a:xfrm>
+            <a:off x="0" y="2544786"/>
+            <a:ext cx="12192000" cy="2204326"/>
+          </a:xfrm>
+          <a:prstGeom prst="rect">
+            <a:avLst/>
+          </a:prstGeom>
+          <a:solidFill>
+            <a:schemeClr val="tx1">
+              <a:lumMod val="75000"/>
+              <a:lumOff val="25000"/>
+            </a:schemeClr>
+          </a:solidFill>
+        </p:spPr>
+        <p:style>
+          <a:lnRef idx="2">
+            <a:schemeClr val="accent1">
+              <a:shade val="50000"/>
+            </a:schemeClr>
+          </a:lnRef>
+          <a:fillRef idx="1">
+            <a:schemeClr val="accent1"/>
+          </a:fillRef>
+          <a:effectRef idx="0">
+            <a:schemeClr val="accent1"/>
+          </a:effectRef>
+          <a:fontRef idx="minor">
+            <a:schemeClr val="lt1"/>
+          </a:fontRef>
+        </p:style>
+        <p:txBody>
+          <a:bodyPr rtlCol="0" anchor="ctr"/>
+          <a:lstStyle/>
+          <a:p>
+            <a:pPr algn="ctr"/>
+            <a:endParaRPr lang="ru-RU" dirty="0">
+              <a:solidFill>
+                <a:srgbClr val="CC00FF"/>
+              </a:solidFill>
+            </a:endParaRPr>
+          </a:p>
+        </p:txBody>
+      </p:sp>
+      <p:sp>
+        <p:nvSpPr>
+          <p:cNvPr id="7" name="Прямоугольник 6"/>
+          <p:cNvSpPr/>
+          <p:nvPr/>
+        </p:nvSpPr>
+        <p:spPr>
+          <a:xfrm>
+            <a:off x="0" y="2952750"/>
+            <a:ext cx="12192000" cy="1456264"/>
+          </a:xfrm>
+          <a:prstGeom prst="rect">
+            <a:avLst/>
+          </a:prstGeom>
+          <a:solidFill>
+            <a:schemeClr val="tx1">
+              <a:lumMod val="65000"/>
+              <a:lumOff val="35000"/>
+            </a:schemeClr>
+          </a:solidFill>
+        </p:spPr>
+        <p:style>
+          <a:lnRef idx="2">
+            <a:schemeClr val="accent1">
+              <a:shade val="50000"/>
+            </a:schemeClr>
+          </a:lnRef>
+          <a:fillRef idx="1">
+            <a:schemeClr val="accent1"/>
+          </a:fillRef>
+          <a:effectRef idx="0">
+            <a:schemeClr val="accent1"/>
+          </a:effectRef>
+          <a:fontRef idx="minor">
+            <a:schemeClr val="lt1"/>
+          </a:fontRef>
+        </p:style>
+        <p:txBody>
+          <a:bodyPr rtlCol="0" anchor="ctr"/>
+          <a:lstStyle/>
+          <a:p>
+            <a:pPr algn="ctr"/>
+            <a:endParaRPr lang="ru-RU" dirty="0">
+              <a:solidFill>
+                <a:srgbClr val="CC00FF"/>
+              </a:solidFill>
+            </a:endParaRPr>
+          </a:p>
+        </p:txBody>
+      </p:sp>
+      <p:sp>
+        <p:nvSpPr>
+          <p:cNvPr id="8" name="TextBox 7"/>
+          <p:cNvSpPr txBox="1"/>
+          <p:nvPr/>
+        </p:nvSpPr>
+        <p:spPr>
+          <a:xfrm>
+            <a:off x="0" y="0"/>
+            <a:ext cx="6810375" cy="523220"/>
+          </a:xfrm>
+          <a:prstGeom prst="rect">
+            <a:avLst/>
+          </a:prstGeom>
+          <a:noFill/>
+        </p:spPr>
+        <p:txBody>
+          <a:bodyPr wrap="square" rtlCol="0">
+            <a:spAutoFit/>
+          </a:bodyPr>
+          <a:lstStyle/>
+          <a:p>
+            <a:r>
+              <a:rPr lang="ru-RU" sz="2800" b="1" dirty="0" smtClean="0"/>
+              <a:t>Разработка интерфейса пользователя №1</a:t>
+            </a:r>
+            <a:endParaRPr lang="ru-RU" sz="2800" b="1" dirty="0"/>
+          </a:p>
+        </p:txBody>
+      </p:sp>
+      <p:sp>
+        <p:nvSpPr>
+          <p:cNvPr id="9" name="TextBox 8"/>
+          <p:cNvSpPr txBox="1"/>
+          <p:nvPr/>
+        </p:nvSpPr>
+        <p:spPr>
+          <a:xfrm>
+            <a:off x="1000125" y="5372100"/>
+            <a:ext cx="4381500" cy="523220"/>
+          </a:xfrm>
+          <a:prstGeom prst="rect">
+            <a:avLst/>
+          </a:prstGeom>
+          <a:noFill/>
+        </p:spPr>
+        <p:txBody>
+          <a:bodyPr wrap="square" rtlCol="0">
+            <a:spAutoFit/>
+          </a:bodyPr>
+          <a:lstStyle/>
+          <a:p>
+            <a:r>
+              <a:rPr lang="ru-RU" sz="2800" b="1" dirty="0" smtClean="0"/>
+              <a:t>Окно управления группой</a:t>
+            </a:r>
+            <a:endParaRPr lang="ru-RU" sz="2800" b="1" dirty="0"/>
+          </a:p>
+        </p:txBody>
+      </p:sp>
+      <p:sp>
+        <p:nvSpPr>
+          <p:cNvPr id="10" name="TextBox 9"/>
+          <p:cNvSpPr txBox="1"/>
+          <p:nvPr/>
+        </p:nvSpPr>
+        <p:spPr>
+          <a:xfrm>
+            <a:off x="6353175" y="5362575"/>
+            <a:ext cx="5076825" cy="523220"/>
+          </a:xfrm>
+          <a:prstGeom prst="rect">
+            <a:avLst/>
+          </a:prstGeom>
+          <a:noFill/>
+        </p:spPr>
+        <p:txBody>
+          <a:bodyPr wrap="square" rtlCol="0">
+            <a:spAutoFit/>
+          </a:bodyPr>
+          <a:lstStyle/>
+          <a:p>
+            <a:r>
+              <a:rPr lang="ru-RU" sz="2800" b="1" dirty="0" smtClean="0"/>
+              <a:t>Окно управления аудиториями</a:t>
+            </a:r>
+            <a:endParaRPr lang="ru-RU" sz="2800" dirty="0"/>
+          </a:p>
+        </p:txBody>
+      </p:sp>
+      <p:pic>
+        <p:nvPicPr>
+          <p:cNvPr id="11" name="Рисунок 10"/>
+          <p:cNvPicPr/>
+          <p:nvPr/>
+        </p:nvPicPr>
+        <p:blipFill>
+          <a:blip r:embed="rId2" cstate="print"/>
+          <a:srcRect/>
+          <a:stretch>
+            <a:fillRect/>
+          </a:stretch>
+        </p:blipFill>
+        <p:spPr bwMode="auto">
+          <a:xfrm>
+            <a:off x="849610" y="1657350"/>
+            <a:ext cx="4443751" cy="3609975"/>
+          </a:xfrm>
+          <a:prstGeom prst="rect">
+            <a:avLst/>
+          </a:prstGeom>
+          <a:noFill/>
+          <a:ln w="38100">
+            <a:solidFill>
+              <a:schemeClr val="tx1"/>
+            </a:solidFill>
+            <a:miter lim="800000"/>
+            <a:headEnd/>
+            <a:tailEnd/>
+          </a:ln>
+        </p:spPr>
+      </p:pic>
+      <p:pic>
+        <p:nvPicPr>
+          <p:cNvPr id="12" name="Рисунок 11"/>
+          <p:cNvPicPr/>
+          <p:nvPr/>
+        </p:nvPicPr>
+        <p:blipFill>
+          <a:blip r:embed="rId3" cstate="print"/>
+          <a:srcRect/>
+          <a:stretch>
+            <a:fillRect/>
+          </a:stretch>
+        </p:blipFill>
+        <p:spPr bwMode="auto">
+          <a:xfrm>
+            <a:off x="6406116" y="1588993"/>
+            <a:ext cx="4985784" cy="3669834"/>
+          </a:xfrm>
+          <a:prstGeom prst="rect">
+            <a:avLst/>
+          </a:prstGeom>
+          <a:noFill/>
+          <a:ln w="38100">
+            <a:solidFill>
+              <a:schemeClr val="tx1"/>
+            </a:solidFill>
+            <a:miter lim="800000"/>
+            <a:headEnd/>
+            <a:tailEnd/>
+          </a:ln>
+        </p:spPr>
+      </p:pic>
+    </p:spTree>
+  </p:cSld>
+  <p:clrMapOvr>
+    <a:masterClrMapping/>
+  </p:clrMapOvr>
+</p:sld>
+</file>
+
+<file path=ppt/slides/slide8.xml><?xml version="1.0" encoding="utf-8"?>
+<p:sld xmlns:a="http://schemas.openxmlformats.org/drawingml/2006/main" xmlns:r="http://schemas.openxmlformats.org/officeDocument/2006/relationships" xmlns:p="http://schemas.openxmlformats.org/presentationml/2006/main">
+  <p:cSld>
+    <p:spTree>
+      <p:nvGrpSpPr>
+        <p:cNvPr id="1" name=""/>
+        <p:cNvGrpSpPr/>
+        <p:nvPr/>
+      </p:nvGrpSpPr>
+      <p:grpSpPr>
+        <a:xfrm>
+          <a:off x="0" y="0"/>
+          <a:ext cx="0" cy="0"/>
+          <a:chOff x="0" y="0"/>
+          <a:chExt cx="0" cy="0"/>
+        </a:xfrm>
+      </p:grpSpPr>
+      <p:sp>
+        <p:nvSpPr>
+          <p:cNvPr id="6" name="Прямоугольник 5"/>
+          <p:cNvSpPr/>
+          <p:nvPr/>
+        </p:nvSpPr>
+        <p:spPr>
+          <a:xfrm>
+            <a:off x="0" y="2544786"/>
+            <a:ext cx="12192000" cy="2204326"/>
+          </a:xfrm>
+          <a:prstGeom prst="rect">
+            <a:avLst/>
+          </a:prstGeom>
+          <a:solidFill>
+            <a:schemeClr val="tx1">
+              <a:lumMod val="75000"/>
+              <a:lumOff val="25000"/>
+            </a:schemeClr>
+          </a:solidFill>
+        </p:spPr>
+        <p:style>
+          <a:lnRef idx="2">
+            <a:schemeClr val="accent1">
+              <a:shade val="50000"/>
+            </a:schemeClr>
+          </a:lnRef>
+          <a:fillRef idx="1">
+            <a:schemeClr val="accent1"/>
+          </a:fillRef>
+          <a:effectRef idx="0">
+            <a:schemeClr val="accent1"/>
+          </a:effectRef>
+          <a:fontRef idx="minor">
+            <a:schemeClr val="lt1"/>
+          </a:fontRef>
+        </p:style>
+        <p:txBody>
+          <a:bodyPr rtlCol="0" anchor="ctr"/>
+          <a:lstStyle/>
+          <a:p>
+            <a:pPr algn="ctr"/>
+            <a:endParaRPr lang="ru-RU" dirty="0">
+              <a:solidFill>
+                <a:srgbClr val="CC00FF"/>
+              </a:solidFill>
+            </a:endParaRPr>
+          </a:p>
+        </p:txBody>
+      </p:sp>
+      <p:sp>
+        <p:nvSpPr>
+          <p:cNvPr id="7" name="Прямоугольник 6"/>
+          <p:cNvSpPr/>
+          <p:nvPr/>
+        </p:nvSpPr>
+        <p:spPr>
+          <a:xfrm>
+            <a:off x="0" y="2952750"/>
+            <a:ext cx="12192000" cy="1456264"/>
+          </a:xfrm>
+          <a:prstGeom prst="rect">
+            <a:avLst/>
+          </a:prstGeom>
+          <a:solidFill>
+            <a:schemeClr val="tx1">
+              <a:lumMod val="65000"/>
+              <a:lumOff val="35000"/>
+            </a:schemeClr>
+          </a:solidFill>
+        </p:spPr>
+        <p:style>
+          <a:lnRef idx="2">
+            <a:schemeClr val="accent1">
+              <a:shade val="50000"/>
+            </a:schemeClr>
+          </a:lnRef>
+          <a:fillRef idx="1">
+            <a:schemeClr val="accent1"/>
+          </a:fillRef>
+          <a:effectRef idx="0">
+            <a:schemeClr val="accent1"/>
+          </a:effectRef>
+          <a:fontRef idx="minor">
+            <a:schemeClr val="lt1"/>
+          </a:fontRef>
+        </p:style>
+        <p:txBody>
+          <a:bodyPr rtlCol="0" anchor="ctr"/>
+          <a:lstStyle/>
+          <a:p>
+            <a:pPr algn="ctr"/>
+            <a:endParaRPr lang="ru-RU" dirty="0">
+              <a:solidFill>
+                <a:srgbClr val="CC00FF"/>
+              </a:solidFill>
+            </a:endParaRPr>
+          </a:p>
+        </p:txBody>
+      </p:sp>
+      <p:sp>
+        <p:nvSpPr>
+          <p:cNvPr id="8" name="TextBox 7"/>
+          <p:cNvSpPr txBox="1"/>
+          <p:nvPr/>
+        </p:nvSpPr>
+        <p:spPr>
+          <a:xfrm>
+            <a:off x="0" y="0"/>
+            <a:ext cx="6810375" cy="523220"/>
+          </a:xfrm>
+          <a:prstGeom prst="rect">
+            <a:avLst/>
+          </a:prstGeom>
+          <a:noFill/>
+        </p:spPr>
+        <p:txBody>
+          <a:bodyPr wrap="square" rtlCol="0">
+            <a:spAutoFit/>
+          </a:bodyPr>
+          <a:lstStyle/>
+          <a:p>
+            <a:r>
+              <a:rPr lang="ru-RU" sz="2800" b="1" dirty="0" smtClean="0"/>
+              <a:t>Разработка интерфейса пользователя №3</a:t>
+            </a:r>
+            <a:endParaRPr lang="ru-RU" sz="2800" b="1" dirty="0"/>
+          </a:p>
+        </p:txBody>
+      </p:sp>
+      <p:sp>
+        <p:nvSpPr>
+          <p:cNvPr id="9" name="TextBox 8"/>
+          <p:cNvSpPr txBox="1"/>
+          <p:nvPr/>
+        </p:nvSpPr>
+        <p:spPr>
+          <a:xfrm>
+            <a:off x="1428750" y="5629275"/>
+            <a:ext cx="3714750" cy="523220"/>
+          </a:xfrm>
+          <a:prstGeom prst="rect">
+            <a:avLst/>
+          </a:prstGeom>
+          <a:noFill/>
+        </p:spPr>
+        <p:txBody>
+          <a:bodyPr wrap="square" rtlCol="0">
+            <a:spAutoFit/>
+          </a:bodyPr>
+          <a:lstStyle/>
+          <a:p>
+            <a:r>
+              <a:rPr lang="ru-RU" sz="2800" b="1" dirty="0" smtClean="0"/>
+              <a:t>Окно добавлений пар</a:t>
+            </a:r>
+            <a:endParaRPr lang="ru-RU" sz="2800" b="1" dirty="0"/>
+          </a:p>
+        </p:txBody>
+      </p:sp>
+      <p:sp>
+        <p:nvSpPr>
+          <p:cNvPr id="10" name="TextBox 9"/>
+          <p:cNvSpPr txBox="1"/>
+          <p:nvPr/>
+        </p:nvSpPr>
+        <p:spPr>
+          <a:xfrm>
+            <a:off x="6048375" y="5400676"/>
+            <a:ext cx="5972175" cy="523220"/>
+          </a:xfrm>
+          <a:prstGeom prst="rect">
+            <a:avLst/>
+          </a:prstGeom>
+          <a:noFill/>
+        </p:spPr>
+        <p:txBody>
+          <a:bodyPr wrap="square" rtlCol="0">
+            <a:spAutoFit/>
+          </a:bodyPr>
+          <a:lstStyle/>
+          <a:p>
+            <a:r>
+              <a:rPr lang="ru-RU" sz="2800" b="1" dirty="0" smtClean="0"/>
+              <a:t>Окно с настройкой преподавателей</a:t>
+            </a:r>
+            <a:endParaRPr lang="ru-RU" sz="2800" b="1" dirty="0"/>
+          </a:p>
+        </p:txBody>
+      </p:sp>
+      <p:pic>
+        <p:nvPicPr>
+          <p:cNvPr id="11" name="Рисунок 10"/>
+          <p:cNvPicPr/>
+          <p:nvPr/>
+        </p:nvPicPr>
+        <p:blipFill>
+          <a:blip r:embed="rId2" cstate="print"/>
+          <a:srcRect/>
+          <a:stretch>
+            <a:fillRect/>
+          </a:stretch>
+        </p:blipFill>
+        <p:spPr bwMode="auto">
+          <a:xfrm>
+            <a:off x="1655102" y="1162714"/>
+            <a:ext cx="3088347" cy="4323685"/>
+          </a:xfrm>
+          <a:prstGeom prst="rect">
+            <a:avLst/>
+          </a:prstGeom>
+          <a:noFill/>
+          <a:ln w="38100">
+            <a:solidFill>
+              <a:schemeClr val="tx1"/>
+            </a:solidFill>
+            <a:miter lim="800000"/>
+            <a:headEnd/>
+            <a:tailEnd/>
+          </a:ln>
+        </p:spPr>
+      </p:pic>
+      <p:pic>
+        <p:nvPicPr>
+          <p:cNvPr id="12" name="Рисунок 11"/>
+          <p:cNvPicPr/>
+          <p:nvPr/>
+        </p:nvPicPr>
+        <p:blipFill>
+          <a:blip r:embed="rId3" cstate="print"/>
+          <a:stretch>
+            <a:fillRect/>
+          </a:stretch>
+        </p:blipFill>
+        <p:spPr bwMode="auto">
+          <a:xfrm>
+            <a:off x="6372820" y="1662112"/>
+            <a:ext cx="5047655" cy="3684694"/>
+          </a:xfrm>
+          <a:prstGeom prst="rect">
+            <a:avLst/>
+          </a:prstGeom>
+          <a:noFill/>
+          <a:ln w="38100">
+            <a:solidFill>
+              <a:schemeClr val="tx1"/>
+            </a:solidFill>
+            <a:miter lim="800000"/>
+            <a:headEnd/>
+            <a:tailEnd/>
+          </a:ln>
+        </p:spPr>
+      </p:pic>
+    </p:spTree>
+  </p:cSld>
+  <p:clrMapOvr>
+    <a:masterClrMapping/>
+  </p:clrMapOvr>
+</p:sld>
+</file>
+
+<file path=ppt/slides/slide9.xml><?xml version="1.0" encoding="utf-8"?>
+<p:sld xmlns:a="http://schemas.openxmlformats.org/drawingml/2006/main" xmlns:r="http://schemas.openxmlformats.org/officeDocument/2006/relationships" xmlns:p="http://schemas.openxmlformats.org/presentationml/2006/main">
+  <p:cSld>
+    <p:spTree>
+      <p:nvGrpSpPr>
+        <p:cNvPr id="1" name=""/>
+        <p:cNvGrpSpPr/>
+        <p:nvPr/>
+      </p:nvGrpSpPr>
+      <p:grpSpPr>
+        <a:xfrm>
+          <a:off x="0" y="0"/>
+          <a:ext cx="0" cy="0"/>
+          <a:chOff x="0" y="0"/>
+          <a:chExt cx="0" cy="0"/>
+        </a:xfrm>
+      </p:grpSpPr>
+      <p:sp>
+        <p:nvSpPr>
+          <p:cNvPr id="4" name="TextBox 3"/>
+          <p:cNvSpPr txBox="1"/>
+          <p:nvPr/>
+        </p:nvSpPr>
+        <p:spPr>
+          <a:xfrm>
+            <a:off x="0" y="0"/>
+            <a:ext cx="12000807" cy="523220"/>
+          </a:xfrm>
+          <a:prstGeom prst="rect">
+            <a:avLst/>
+          </a:prstGeom>
+          <a:noFill/>
+        </p:spPr>
+        <p:txBody>
+          <a:bodyPr wrap="square" rtlCol="0">
+            <a:spAutoFit/>
+          </a:bodyPr>
+          <a:lstStyle/>
+          <a:p>
+            <a:r>
+              <a:rPr lang="ru-RU" sz="2800" b="1" dirty="0" smtClean="0"/>
+              <a:t>Входные, выходные данные для контрольного </a:t>
+            </a:r>
+            <a:r>
+              <a:rPr lang="ru-RU" sz="2800" b="1" dirty="0" smtClean="0"/>
+              <a:t>примера:</a:t>
+            </a:r>
+            <a:endParaRPr lang="ru-RU" sz="2800" b="1" dirty="0"/>
+          </a:p>
+        </p:txBody>
+      </p:sp>
+      <p:sp>
+        <p:nvSpPr>
+          <p:cNvPr id="3" name="Прямоугольник 2"/>
+          <p:cNvSpPr/>
+          <p:nvPr/>
+        </p:nvSpPr>
+        <p:spPr>
+          <a:xfrm>
+            <a:off x="0" y="1737084"/>
+            <a:ext cx="12192000" cy="2869153"/>
+          </a:xfrm>
+          <a:prstGeom prst="rect">
+            <a:avLst/>
+          </a:prstGeom>
+          <a:solidFill>
+            <a:schemeClr val="tx1">
+              <a:lumMod val="75000"/>
+              <a:lumOff val="25000"/>
+            </a:schemeClr>
+          </a:solidFill>
+        </p:spPr>
+        <p:style>
+          <a:lnRef idx="2">
+            <a:schemeClr val="accent1">
+              <a:shade val="50000"/>
+            </a:schemeClr>
+          </a:lnRef>
+          <a:fillRef idx="1">
+            <a:schemeClr val="accent1"/>
+          </a:fillRef>
+          <a:effectRef idx="0">
+            <a:schemeClr val="accent1"/>
+          </a:effectRef>
+          <a:fontRef idx="minor">
+            <a:schemeClr val="lt1"/>
+          </a:fontRef>
+        </p:style>
+        <p:txBody>
+          <a:bodyPr rtlCol="0" anchor="ctr"/>
+          <a:lstStyle/>
+          <a:p>
+            <a:pPr algn="ctr"/>
+            <a:endParaRPr lang="ru-RU" dirty="0">
+              <a:solidFill>
+                <a:srgbClr val="CC00FF"/>
+              </a:solidFill>
+            </a:endParaRPr>
+          </a:p>
+        </p:txBody>
+      </p:sp>
+      <p:sp>
+        <p:nvSpPr>
+          <p:cNvPr id="5" name="Прямоугольник 4"/>
+          <p:cNvSpPr/>
+          <p:nvPr/>
+        </p:nvSpPr>
+        <p:spPr>
+          <a:xfrm>
+            <a:off x="0" y="2142064"/>
+            <a:ext cx="12192000" cy="1895475"/>
+          </a:xfrm>
+          <a:prstGeom prst="rect">
+            <a:avLst/>
+          </a:prstGeom>
+          <a:solidFill>
+            <a:schemeClr val="tx1">
+              <a:lumMod val="65000"/>
+              <a:lumOff val="35000"/>
+            </a:schemeClr>
+          </a:solidFill>
+        </p:spPr>
+        <p:style>
+          <a:lnRef idx="2">
+            <a:schemeClr val="accent1">
+              <a:shade val="50000"/>
+            </a:schemeClr>
+          </a:lnRef>
+          <a:fillRef idx="1">
+            <a:schemeClr val="accent1"/>
+          </a:fillRef>
+          <a:effectRef idx="0">
+            <a:schemeClr val="accent1"/>
+          </a:effectRef>
+          <a:fontRef idx="minor">
+            <a:schemeClr val="lt1"/>
+          </a:fontRef>
+        </p:style>
+        <p:txBody>
+          <a:bodyPr rtlCol="0" anchor="ctr"/>
+          <a:lstStyle/>
+          <a:p>
+            <a:pPr algn="ctr"/>
+            <a:endParaRPr lang="ru-RU" dirty="0">
+              <a:solidFill>
+                <a:srgbClr val="CC00FF"/>
+              </a:solidFill>
+            </a:endParaRPr>
+          </a:p>
+        </p:txBody>
+      </p:sp>
+      <p:pic>
+        <p:nvPicPr>
+          <p:cNvPr id="6" name="Рисунок 5"/>
+          <p:cNvPicPr/>
+          <p:nvPr/>
+        </p:nvPicPr>
+        <p:blipFill>
+          <a:blip r:embed="rId2" cstate="print"/>
+          <a:stretch>
+            <a:fillRect/>
+          </a:stretch>
+        </p:blipFill>
+        <p:spPr bwMode="auto">
+          <a:xfrm>
+            <a:off x="396875" y="1025860"/>
+            <a:ext cx="5532600" cy="4793916"/>
+          </a:xfrm>
+          <a:prstGeom prst="rect">
+            <a:avLst/>
+          </a:prstGeom>
+          <a:noFill/>
+          <a:ln w="38100">
+            <a:solidFill>
+              <a:schemeClr val="tx1"/>
+            </a:solidFill>
+            <a:miter lim="800000"/>
+            <a:headEnd/>
+            <a:tailEnd/>
+          </a:ln>
+        </p:spPr>
+      </p:pic>
+      <p:sp>
+        <p:nvSpPr>
+          <p:cNvPr id="7" name="TextBox 6"/>
+          <p:cNvSpPr txBox="1"/>
+          <p:nvPr/>
+        </p:nvSpPr>
+        <p:spPr>
+          <a:xfrm>
+            <a:off x="1009650" y="5953125"/>
+            <a:ext cx="4533900" cy="523220"/>
+          </a:xfrm>
+          <a:prstGeom prst="rect">
+            <a:avLst/>
+          </a:prstGeom>
+          <a:noFill/>
+        </p:spPr>
+        <p:txBody>
+          <a:bodyPr wrap="square" rtlCol="0">
+            <a:spAutoFit/>
+          </a:bodyPr>
+          <a:lstStyle/>
+          <a:p>
+            <a:pPr algn="ctr"/>
+            <a:r>
+              <a:rPr lang="ru-RU" sz="2800" b="1" dirty="0" smtClean="0"/>
+              <a:t>Концептуальная модель</a:t>
+            </a:r>
+            <a:endParaRPr lang="ru-RU" sz="2800" b="1" dirty="0"/>
+          </a:p>
+        </p:txBody>
+      </p:sp>
+      <p:sp>
+        <p:nvSpPr>
+          <p:cNvPr id="8" name="TextBox 7"/>
+          <p:cNvSpPr txBox="1"/>
+          <p:nvPr/>
+        </p:nvSpPr>
+        <p:spPr>
+          <a:xfrm>
+            <a:off x="6886575" y="5934075"/>
+            <a:ext cx="4533900" cy="523220"/>
+          </a:xfrm>
+          <a:prstGeom prst="rect">
+            <a:avLst/>
+          </a:prstGeom>
+          <a:noFill/>
+        </p:spPr>
+        <p:txBody>
+          <a:bodyPr wrap="square" rtlCol="0">
+            <a:spAutoFit/>
+          </a:bodyPr>
+          <a:lstStyle/>
+          <a:p>
+            <a:pPr algn="ctr"/>
+            <a:r>
+              <a:rPr lang="ru-RU" sz="2800" b="1" dirty="0" smtClean="0"/>
+              <a:t>Код для обработки</a:t>
+            </a:r>
+            <a:endParaRPr lang="ru-RU" sz="2800" b="1" dirty="0"/>
+          </a:p>
+        </p:txBody>
+      </p:sp>
+      <p:pic>
+        <p:nvPicPr>
+          <p:cNvPr id="7170" name="Picture 2" descr="C:\Users\Анатолий\Downloads\carbon.png"/>
+          <p:cNvPicPr>
+            <a:picLocks noChangeAspect="1" noChangeArrowheads="1"/>
+          </p:cNvPicPr>
+          <p:nvPr/>
+        </p:nvPicPr>
+        <p:blipFill>
+          <a:blip r:embed="rId3" cstate="print"/>
+          <a:srcRect l="5287" t="4213" r="4979" b="4324"/>
+          <a:stretch>
+            <a:fillRect/>
+          </a:stretch>
+        </p:blipFill>
+        <p:spPr bwMode="auto">
+          <a:xfrm>
+            <a:off x="7143750" y="676275"/>
+            <a:ext cx="4095750" cy="5238750"/>
+          </a:xfrm>
+          <a:prstGeom prst="rect">
+            <a:avLst/>
+          </a:prstGeom>
+          <a:noFill/>
+          <a:ln w="38100">
+            <a:solidFill>
+              <a:schemeClr val="tx1"/>
+            </a:solidFill>
+          </a:ln>
+        </p:spPr>
+      </p:pic>
     </p:spTree>
     <p:extLst>
       <p:ext uri="{BB962C8B-B14F-4D97-AF65-F5344CB8AC3E}">
-        <p14:creationId xmlns:p14="http://schemas.microsoft.com/office/powerpoint/2010/main" xmlns="" val="2187832369"/>
+        <p14:creationId xmlns="" xmlns:p14="http://schemas.microsoft.com/office/powerpoint/2010/main" val="3515615231"/>
       </p:ext>
     </p:extLst>
   </p:cSld>
   <p:clrMapOvr>
     <a:masterClrMapping/>
   </p:clrMapOvr>
+  <p:timing>
+    <p:tnLst>
+      <p:par>
+        <p:cTn id="1" dur="indefinite" restart="never" nodeType="tmRoot"/>
+      </p:par>
+    </p:tnLst>
+  </p:timing>
 </p:sld>
 </file>
 
@@ -4819,7 +7112,7 @@
   <a:extraClrSchemeLst/>
   <a:extLst>
     <a:ext uri="{05A4C25C-085E-4340-85A3-A5531E510DB2}">
-      <thm15:themeFamily xmlns:thm15="http://schemas.microsoft.com/office/thememl/2012/main" xmlns="" name="Office Theme" id="{62F939B6-93AF-4DB8-9C6B-D6C7DFDC589F}" vid="{4A3C46E8-61CC-4603-A589-7422A47A8E4A}"/>
+      <thm15:themeFamily xmlns="" xmlns:thm15="http://schemas.microsoft.com/office/thememl/2012/main" name="Office Theme" id="{62F939B6-93AF-4DB8-9C6B-D6C7DFDC589F}" vid="{4A3C46E8-61CC-4603-A589-7422A47A8E4A}"/>
     </a:ext>
   </a:extLst>
 </a:theme>
